--- a/宣道詩/(宣道詩105)在他翼下.pptx
+++ b/宣道詩/(宣道詩105)在他翼下.pptx
@@ -5,18 +5,25 @@
     <p:sldMasterId id="2147483660" r:id="rId1"/>
   </p:sldMasterIdLst>
   <p:notesMasterIdLst>
-    <p:notesMasterId r:id="rId8"/>
+    <p:notesMasterId r:id="rId15"/>
   </p:notesMasterIdLst>
   <p:handoutMasterIdLst>
-    <p:handoutMasterId r:id="rId9"/>
+    <p:handoutMasterId r:id="rId16"/>
   </p:handoutMasterIdLst>
   <p:sldIdLst>
-    <p:sldId id="1604" r:id="rId2"/>
-    <p:sldId id="1605" r:id="rId3"/>
-    <p:sldId id="1606" r:id="rId4"/>
-    <p:sldId id="1607" r:id="rId5"/>
-    <p:sldId id="1608" r:id="rId6"/>
-    <p:sldId id="1609" r:id="rId7"/>
+    <p:sldId id="1610" r:id="rId2"/>
+    <p:sldId id="1611" r:id="rId3"/>
+    <p:sldId id="1612" r:id="rId4"/>
+    <p:sldId id="1613" r:id="rId5"/>
+    <p:sldId id="1614" r:id="rId6"/>
+    <p:sldId id="1615" r:id="rId7"/>
+    <p:sldId id="1616" r:id="rId8"/>
+    <p:sldId id="1617" r:id="rId9"/>
+    <p:sldId id="1618" r:id="rId10"/>
+    <p:sldId id="1619" r:id="rId11"/>
+    <p:sldId id="1620" r:id="rId12"/>
+    <p:sldId id="1621" r:id="rId13"/>
+    <p:sldId id="1622" r:id="rId14"/>
   </p:sldIdLst>
   <p:sldSz cx="12192000" cy="6858000"/>
   <p:notesSz cx="6858000" cy="9144000"/>
@@ -3760,309 +3767,606 @@
       </p:grpSpPr>
       <p:sp>
         <p:nvSpPr>
-          <p:cNvPr id="4" name="Title 3"/>
+          <p:cNvPr id="4" name="標題 3"/>
           <p:cNvSpPr>
             <a:spLocks noGrp="1"/>
           </p:cNvSpPr>
           <p:nvPr>
             <p:ph type="title"/>
-          </p:nvPr>
-        </p:nvSpPr>
-        <p:spPr/>
-        <p:txBody>
-          <a:bodyPr>
-            <a:normAutofit/>
-          </a:bodyPr>
-          <a:lstStyle/>
-          <a:p>
-            <a:r>
-              <a:rPr lang="en-US" altLang="zh-CN" sz="4800" b="1" dirty="0">
-                <a:solidFill>
-                  <a:srgbClr val="002060"/>
-                </a:solidFill>
-                <a:latin typeface="Microsoft JhengHei" panose="020B0604030504040204" pitchFamily="34" charset="-120"/>
-                <a:ea typeface="Microsoft JhengHei" panose="020B0604030504040204" pitchFamily="34" charset="-120"/>
-              </a:rPr>
-              <a:t>【</a:t>
-            </a:r>
-            <a:r>
-              <a:rPr lang="zh-CN" altLang="en-US" sz="4800" b="1" dirty="0">
-                <a:solidFill>
-                  <a:srgbClr val="002060"/>
-                </a:solidFill>
-                <a:latin typeface="Microsoft JhengHei" panose="020B0604030504040204" pitchFamily="34" charset="-120"/>
-                <a:ea typeface="Microsoft JhengHei" panose="020B0604030504040204" pitchFamily="34" charset="-120"/>
-              </a:rPr>
-              <a:t>在他翼下</a:t>
-            </a:r>
-            <a:r>
-              <a:rPr lang="en-US" altLang="zh-CN" sz="4800" b="1" dirty="0">
-                <a:solidFill>
-                  <a:srgbClr val="002060"/>
-                </a:solidFill>
-                <a:latin typeface="Microsoft JhengHei" panose="020B0604030504040204" pitchFamily="34" charset="-120"/>
-                <a:ea typeface="Microsoft JhengHei" panose="020B0604030504040204" pitchFamily="34" charset="-120"/>
-              </a:rPr>
-              <a:t>】</a:t>
-            </a:r>
-          </a:p>
-        </p:txBody>
-      </p:sp>
-      <p:sp>
-        <p:nvSpPr>
-          <p:cNvPr id="5" name="Content Placeholder 4"/>
-          <p:cNvSpPr>
-            <a:spLocks noGrp="1"/>
-          </p:cNvSpPr>
-          <p:nvPr>
-            <p:ph idx="1"/>
           </p:nvPr>
         </p:nvSpPr>
         <p:spPr>
           <a:xfrm>
-            <a:off x="609600" y="1600203"/>
-            <a:ext cx="10972800" cy="5257797"/>
+            <a:off x="0" y="2660915"/>
+            <a:ext cx="12192000" cy="1143000"/>
           </a:xfrm>
         </p:spPr>
         <p:txBody>
           <a:bodyPr>
-            <a:normAutofit/>
+            <a:noAutofit/>
           </a:bodyPr>
           <a:lstStyle/>
           <a:p>
-            <a:pPr marL="0" indent="0" algn="ctr">
-              <a:buNone/>
-            </a:pPr>
-            <a:r>
-              <a:rPr lang="zh-TW" altLang="en-US" sz="5400" b="1" dirty="0">
+            <a:r>
+              <a:rPr lang="zh-CN" altLang="en-US" sz="5333" b="1" u="sng" dirty="0">
                 <a:solidFill>
-                  <a:srgbClr val="002060"/>
+                  <a:srgbClr val="000066"/>
                 </a:solidFill>
-                <a:latin typeface="Microsoft JhengHei" panose="020B0604030504040204" pitchFamily="34" charset="-120"/>
-                <a:ea typeface="Microsoft JhengHei" panose="020B0604030504040204" pitchFamily="34" charset="-120"/>
+                <a:effectLst>
+                  <a:outerShdw blurRad="38100" dist="38100" dir="2700000" algn="tl">
+                    <a:srgbClr val="000000">
+                      <a:alpha val="43137"/>
+                    </a:srgbClr>
+                  </a:outerShdw>
+                </a:effectLst>
+                <a:latin typeface="微軟正黑體" pitchFamily="34" charset="-120"/>
+                <a:ea typeface="微軟正黑體" pitchFamily="34" charset="-120"/>
               </a:rPr>
-              <a:t>安穩隱藏在</a:t>
-            </a:r>
-            <a:r>
-              <a:rPr lang="zh-TW" altLang="en-US" sz="5400" b="1" dirty="0">
+              <a:t>宣道詩 </a:t>
+            </a:r>
+            <a:r>
+              <a:rPr lang="en-US" altLang="zh-CN" sz="5333" b="1" u="sng" dirty="0">
                 <a:solidFill>
-                  <a:srgbClr val="002060"/>
+                  <a:srgbClr val="000066"/>
                 </a:solidFill>
-                <a:latin typeface="Microsoft JhengHei" panose="020B0604030504040204" pitchFamily="34" charset="-120"/>
-                <a:ea typeface="Microsoft JhengHei" panose="020B0604030504040204" pitchFamily="34" charset="-120"/>
+                <a:effectLst>
+                  <a:outerShdw blurRad="38100" dist="38100" dir="2700000" algn="tl">
+                    <a:srgbClr val="000000">
+                      <a:alpha val="43137"/>
+                    </a:srgbClr>
+                  </a:outerShdw>
+                </a:effectLst>
+                <a:latin typeface="微軟正黑體" pitchFamily="34" charset="-120"/>
+                <a:ea typeface="微軟正黑體" pitchFamily="34" charset="-120"/>
               </a:rPr>
-              <a:t>主大</a:t>
-            </a:r>
-            <a:r>
-              <a:rPr lang="zh-TW" altLang="en-US" sz="5400" b="1" dirty="0">
+              <a:t>105</a:t>
+            </a:r>
+            <a:r>
+              <a:rPr lang="en-US" altLang="zh-CN" sz="7200" b="1" i="1" dirty="0">
                 <a:solidFill>
-                  <a:srgbClr val="002060"/>
+                  <a:srgbClr val="660033"/>
                 </a:solidFill>
-                <a:latin typeface="Microsoft JhengHei" panose="020B0604030504040204" pitchFamily="34" charset="-120"/>
-                <a:ea typeface="Microsoft JhengHei" panose="020B0604030504040204" pitchFamily="34" charset="-120"/>
+                <a:effectLst>
+                  <a:outerShdw blurRad="38100" dist="38100" dir="2700000" algn="tl">
+                    <a:srgbClr val="000000">
+                      <a:alpha val="43137"/>
+                    </a:srgbClr>
+                  </a:outerShdw>
+                </a:effectLst>
+                <a:latin typeface="微軟正黑體" pitchFamily="34" charset="-120"/>
+                <a:ea typeface="微軟正黑體" pitchFamily="34" charset="-120"/>
               </a:rPr>
-              <a:t>能翅膀下</a:t>
-            </a:r>
-          </a:p>
-          <a:p>
-            <a:pPr marL="0" indent="0" algn="ctr">
-              <a:buNone/>
-            </a:pPr>
-            <a:r>
-              <a:rPr lang="zh-TW" altLang="en-US" sz="5400" b="1" dirty="0">
+              <a:t/>
+            </a:r>
+            <a:br>
+              <a:rPr lang="en-US" altLang="zh-CN" sz="7200" b="1" i="1" dirty="0">
                 <a:solidFill>
-                  <a:srgbClr val="002060"/>
+                  <a:srgbClr val="660033"/>
                 </a:solidFill>
-                <a:latin typeface="Microsoft JhengHei" panose="020B0604030504040204" pitchFamily="34" charset="-120"/>
-                <a:ea typeface="Microsoft JhengHei" panose="020B0604030504040204" pitchFamily="34" charset="-120"/>
+                <a:effectLst>
+                  <a:outerShdw blurRad="38100" dist="38100" dir="2700000" algn="tl">
+                    <a:srgbClr val="000000">
+                      <a:alpha val="43137"/>
+                    </a:srgbClr>
+                  </a:outerShdw>
+                </a:effectLst>
+                <a:latin typeface="微軟正黑體" pitchFamily="34" charset="-120"/>
+                <a:ea typeface="微軟正黑體" pitchFamily="34" charset="-120"/>
               </a:rPr>
-              <a:t>狂風暴</a:t>
-            </a:r>
-            <a:r>
-              <a:rPr lang="zh-TW" altLang="en-US" sz="5400" b="1" dirty="0">
+            </a:br>
+            <a:r>
+              <a:rPr lang="zh-CN" altLang="en-US" sz="8000" b="1" dirty="0">
                 <a:solidFill>
-                  <a:srgbClr val="002060"/>
+                  <a:srgbClr val="660033"/>
                 </a:solidFill>
-                <a:latin typeface="Microsoft JhengHei" panose="020B0604030504040204" pitchFamily="34" charset="-120"/>
-                <a:ea typeface="Microsoft JhengHei" panose="020B0604030504040204" pitchFamily="34" charset="-120"/>
+                <a:effectLst>
+                  <a:outerShdw blurRad="38100" dist="38100" dir="2700000" algn="tl">
+                    <a:srgbClr val="000000">
+                      <a:alpha val="43137"/>
+                    </a:srgbClr>
+                  </a:outerShdw>
+                </a:effectLst>
+                <a:latin typeface="微軟正黑體" pitchFamily="34" charset="-120"/>
+                <a:ea typeface="微軟正黑體" pitchFamily="34" charset="-120"/>
               </a:rPr>
-              <a:t>雨來</a:t>
-            </a:r>
-            <a:r>
-              <a:rPr lang="zh-TW" altLang="en-US" sz="5400" b="1" dirty="0">
+              <a:t>在祂翼</a:t>
+            </a:r>
+            <a:r>
+              <a:rPr lang="zh-CN" altLang="en-US" sz="8000" b="1" dirty="0">
                 <a:solidFill>
-                  <a:srgbClr val="002060"/>
+                  <a:srgbClr val="660033"/>
                 </a:solidFill>
-                <a:latin typeface="Microsoft JhengHei" panose="020B0604030504040204" pitchFamily="34" charset="-120"/>
-                <a:ea typeface="Microsoft JhengHei" panose="020B0604030504040204" pitchFamily="34" charset="-120"/>
+                <a:effectLst>
+                  <a:outerShdw blurRad="38100" dist="38100" dir="2700000" algn="tl">
+                    <a:srgbClr val="000000">
+                      <a:alpha val="43137"/>
+                    </a:srgbClr>
+                  </a:outerShdw>
+                </a:effectLst>
+                <a:latin typeface="微軟正黑體" pitchFamily="34" charset="-120"/>
+                <a:ea typeface="微軟正黑體" pitchFamily="34" charset="-120"/>
               </a:rPr>
-              <a:t>攻我也不</a:t>
-            </a:r>
-            <a:r>
-              <a:rPr lang="zh-TW" altLang="en-US" sz="5400" b="1" dirty="0">
-                <a:solidFill>
-                  <a:srgbClr val="002060"/>
-                </a:solidFill>
-                <a:latin typeface="Microsoft JhengHei" panose="020B0604030504040204" pitchFamily="34" charset="-120"/>
-                <a:ea typeface="Microsoft JhengHei" panose="020B0604030504040204" pitchFamily="34" charset="-120"/>
-              </a:rPr>
-              <a:t>怕</a:t>
-            </a:r>
-            <a:endParaRPr lang="en-US" altLang="zh-TW" sz="5400" b="1" dirty="0">
+              <a:t>下</a:t>
+            </a:r>
+            <a:endParaRPr lang="zh-TW" altLang="en-US" sz="8000" b="1" dirty="0">
               <a:solidFill>
-                <a:srgbClr val="002060"/>
+                <a:srgbClr val="660033"/>
               </a:solidFill>
-              <a:latin typeface="Microsoft JhengHei" panose="020B0604030504040204" pitchFamily="34" charset="-120"/>
-              <a:ea typeface="Microsoft JhengHei" panose="020B0604030504040204" pitchFamily="34" charset="-120"/>
+              <a:effectLst>
+                <a:outerShdw blurRad="38100" dist="38100" dir="2700000" algn="tl">
+                  <a:srgbClr val="000000">
+                    <a:alpha val="43137"/>
+                  </a:srgbClr>
+                </a:outerShdw>
+              </a:effectLst>
+              <a:latin typeface="微軟正黑體" pitchFamily="34" charset="-120"/>
+              <a:ea typeface="微軟正黑體" pitchFamily="34" charset="-120"/>
             </a:endParaRPr>
-          </a:p>
-          <a:p>
-            <a:pPr marL="0" indent="0" algn="ctr">
-              <a:buNone/>
-            </a:pPr>
-            <a:r>
-              <a:rPr lang="zh-TW" altLang="en-US" sz="5400" b="1" dirty="0">
-                <a:solidFill>
-                  <a:srgbClr val="002060"/>
-                </a:solidFill>
-                <a:latin typeface="Microsoft JhengHei" panose="020B0604030504040204" pitchFamily="34" charset="-120"/>
-                <a:ea typeface="Microsoft JhengHei" panose="020B0604030504040204" pitchFamily="34" charset="-120"/>
-              </a:rPr>
-              <a:t>魔鬼雖用計</a:t>
-            </a:r>
-            <a:r>
-              <a:rPr lang="zh-TW" altLang="en-US" sz="5400" b="1" dirty="0">
-                <a:solidFill>
-                  <a:srgbClr val="002060"/>
-                </a:solidFill>
-                <a:latin typeface="Microsoft JhengHei" panose="020B0604030504040204" pitchFamily="34" charset="-120"/>
-                <a:ea typeface="Microsoft JhengHei" panose="020B0604030504040204" pitchFamily="34" charset="-120"/>
-              </a:rPr>
-              <a:t>欲奪</a:t>
-            </a:r>
-            <a:r>
-              <a:rPr lang="zh-TW" altLang="en-US" sz="5400" b="1" dirty="0">
-                <a:solidFill>
-                  <a:srgbClr val="002060"/>
-                </a:solidFill>
-                <a:latin typeface="Microsoft JhengHei" panose="020B0604030504040204" pitchFamily="34" charset="-120"/>
-                <a:ea typeface="Microsoft JhengHei" panose="020B0604030504040204" pitchFamily="34" charset="-120"/>
-              </a:rPr>
-              <a:t>去我靈魂</a:t>
-            </a:r>
-          </a:p>
-          <a:p>
-            <a:pPr marL="0" indent="0" algn="ctr">
-              <a:buNone/>
-            </a:pPr>
-            <a:r>
-              <a:rPr lang="zh-TW" altLang="en-US" sz="5400" b="1" dirty="0">
-                <a:solidFill>
-                  <a:srgbClr val="002060"/>
-                </a:solidFill>
-                <a:latin typeface="Microsoft JhengHei" panose="020B0604030504040204" pitchFamily="34" charset="-120"/>
-                <a:ea typeface="Microsoft JhengHei" panose="020B0604030504040204" pitchFamily="34" charset="-120"/>
-              </a:rPr>
-              <a:t> 但我藏在主</a:t>
-            </a:r>
-            <a:r>
-              <a:rPr lang="zh-CN" altLang="en-US" sz="5400" b="1" dirty="0">
-                <a:solidFill>
-                  <a:srgbClr val="002060"/>
-                </a:solidFill>
-                <a:latin typeface="Microsoft JhengHei" panose="020B0604030504040204" pitchFamily="34" charset="-120"/>
-                <a:ea typeface="Microsoft JhengHei" panose="020B0604030504040204" pitchFamily="34" charset="-120"/>
-              </a:rPr>
-              <a:t>裡</a:t>
-            </a:r>
-            <a:r>
-              <a:rPr lang="zh-TW" altLang="en-US" sz="5400" b="1" dirty="0">
-                <a:solidFill>
-                  <a:srgbClr val="002060"/>
-                </a:solidFill>
-                <a:latin typeface="Microsoft JhengHei" panose="020B0604030504040204" pitchFamily="34" charset="-120"/>
-                <a:ea typeface="Microsoft JhengHei" panose="020B0604030504040204" pitchFamily="34" charset="-120"/>
-              </a:rPr>
-              <a:t>一</a:t>
-            </a:r>
-            <a:r>
-              <a:rPr lang="zh-TW" altLang="en-US" sz="5400" b="1" dirty="0">
-                <a:solidFill>
-                  <a:srgbClr val="002060"/>
-                </a:solidFill>
-                <a:latin typeface="Microsoft JhengHei" panose="020B0604030504040204" pitchFamily="34" charset="-120"/>
-                <a:ea typeface="Microsoft JhengHei" panose="020B0604030504040204" pitchFamily="34" charset="-120"/>
-              </a:rPr>
-              <a:t>無所</a:t>
-            </a:r>
-            <a:r>
-              <a:rPr lang="zh-TW" altLang="en-US" sz="5400" b="1" dirty="0">
-                <a:solidFill>
-                  <a:srgbClr val="002060"/>
-                </a:solidFill>
-                <a:latin typeface="Microsoft JhengHei" panose="020B0604030504040204" pitchFamily="34" charset="-120"/>
-                <a:ea typeface="Microsoft JhengHei" panose="020B0604030504040204" pitchFamily="34" charset="-120"/>
-              </a:rPr>
-              <a:t>掛</a:t>
-            </a:r>
-            <a:endParaRPr lang="zh-TW" altLang="en-US" sz="5400" b="1" dirty="0">
-              <a:solidFill>
-                <a:srgbClr val="002060"/>
-              </a:solidFill>
-              <a:latin typeface="Microsoft JhengHei" panose="020B0604030504040204" pitchFamily="34" charset="-120"/>
-              <a:ea typeface="Microsoft JhengHei" panose="020B0604030504040204" pitchFamily="34" charset="-120"/>
-            </a:endParaRPr>
-          </a:p>
-        </p:txBody>
-      </p:sp>
-      <p:sp>
-        <p:nvSpPr>
-          <p:cNvPr id="6" name="Text Box 1"/>
-          <p:cNvSpPr txBox="1"/>
-          <p:nvPr/>
-        </p:nvSpPr>
-        <p:spPr>
-          <a:xfrm>
-            <a:off x="636270" y="1676400"/>
-            <a:ext cx="1351226" cy="923330"/>
-          </a:xfrm>
-          <a:prstGeom prst="rect">
-            <a:avLst/>
-          </a:prstGeom>
-          <a:noFill/>
-          <a:ln w="9525">
-            <a:noFill/>
-            <a:miter lim="800000"/>
-          </a:ln>
-        </p:spPr>
-        <p:txBody>
-          <a:bodyPr wrap="square">
-            <a:spAutoFit/>
-          </a:bodyPr>
-          <a:lstStyle/>
-          <a:p>
-            <a:pPr algn="ctr"/>
-            <a:r>
-              <a:rPr lang="en-US" sz="5400" b="1" dirty="0">
-                <a:solidFill>
-                  <a:srgbClr val="002060"/>
-                </a:solidFill>
-              </a:rPr>
-              <a:t>1.</a:t>
-            </a:r>
           </a:p>
         </p:txBody>
       </p:sp>
     </p:spTree>
     <p:extLst>
       <p:ext uri="{BB962C8B-B14F-4D97-AF65-F5344CB8AC3E}">
-        <p14:creationId xmlns:p14="http://schemas.microsoft.com/office/powerpoint/2010/main" val="2911320554"/>
+        <p14:creationId xmlns:p14="http://schemas.microsoft.com/office/powerpoint/2010/main" val="1660992423"/>
       </p:ext>
     </p:extLst>
   </p:cSld>
   <p:clrMapOvr>
     <a:masterClrMapping/>
   </p:clrMapOvr>
+  <p:timing>
+    <p:tnLst>
+      <p:par>
+        <p:cTn id="1" dur="indefinite" restart="never" nodeType="tmRoot"/>
+      </p:par>
+    </p:tnLst>
+  </p:timing>
+</p:sld>
+</file>
+
+<file path=ppt/slides/slide10.xml><?xml version="1.0" encoding="utf-8"?>
+<p:sld xmlns:a="http://schemas.openxmlformats.org/drawingml/2006/main" xmlns:r="http://schemas.openxmlformats.org/officeDocument/2006/relationships" xmlns:p="http://schemas.openxmlformats.org/presentationml/2006/main">
+  <p:cSld>
+    <p:spTree>
+      <p:nvGrpSpPr>
+        <p:cNvPr id="1" name=""/>
+        <p:cNvGrpSpPr/>
+        <p:nvPr/>
+      </p:nvGrpSpPr>
+      <p:grpSpPr>
+        <a:xfrm>
+          <a:off x="0" y="0"/>
+          <a:ext cx="0" cy="0"/>
+          <a:chOff x="0" y="0"/>
+          <a:chExt cx="0" cy="0"/>
+        </a:xfrm>
+      </p:grpSpPr>
+      <p:sp>
+        <p:nvSpPr>
+          <p:cNvPr id="5" name="內容版面配置區 4"/>
+          <p:cNvSpPr>
+            <a:spLocks noGrp="1"/>
+          </p:cNvSpPr>
+          <p:nvPr>
+            <p:ph idx="1"/>
+          </p:nvPr>
+        </p:nvSpPr>
+        <p:spPr>
+          <a:xfrm>
+            <a:off x="0" y="2084851"/>
+            <a:ext cx="12192000" cy="2404863"/>
+          </a:xfrm>
+        </p:spPr>
+        <p:txBody>
+          <a:bodyPr anchor="ctr">
+            <a:normAutofit/>
+          </a:bodyPr>
+          <a:lstStyle/>
+          <a:p>
+            <a:pPr marL="0" indent="0" algn="ctr">
+              <a:buNone/>
+            </a:pPr>
+            <a:r>
+              <a:rPr lang="zh-TW" altLang="en-US" sz="6400" b="1" dirty="0">
+                <a:solidFill>
+                  <a:srgbClr val="660033"/>
+                </a:solidFill>
+                <a:latin typeface="Microsoft JhengHei" pitchFamily="34" charset="-120"/>
+                <a:ea typeface="Microsoft JhengHei" pitchFamily="34" charset="-120"/>
+              </a:rPr>
+              <a:t>安穩隱藏在主大能翅膀下</a:t>
+            </a:r>
+          </a:p>
+          <a:p>
+            <a:pPr marL="0" indent="0" algn="ctr">
+              <a:buNone/>
+            </a:pPr>
+            <a:r>
+              <a:rPr lang="zh-TW" altLang="en-US" sz="6400" b="1" dirty="0">
+                <a:solidFill>
+                  <a:srgbClr val="660033"/>
+                </a:solidFill>
+                <a:latin typeface="Microsoft JhengHei" pitchFamily="34" charset="-120"/>
+                <a:ea typeface="Microsoft JhengHei" pitchFamily="34" charset="-120"/>
+              </a:rPr>
+              <a:t>直到黑雲過去青天復現</a:t>
+            </a:r>
+            <a:endParaRPr lang="en-US" altLang="zh-TW" sz="6400" b="1" dirty="0">
+              <a:solidFill>
+                <a:srgbClr val="660033"/>
+              </a:solidFill>
+              <a:latin typeface="Microsoft JhengHei" pitchFamily="34" charset="-120"/>
+              <a:ea typeface="Microsoft JhengHei" pitchFamily="34" charset="-120"/>
+            </a:endParaRPr>
+          </a:p>
+        </p:txBody>
+      </p:sp>
+      <p:sp>
+        <p:nvSpPr>
+          <p:cNvPr id="3" name="TextBox 2"/>
+          <p:cNvSpPr txBox="1"/>
+          <p:nvPr/>
+        </p:nvSpPr>
+        <p:spPr>
+          <a:xfrm>
+            <a:off x="0" y="5061182"/>
+            <a:ext cx="12192000" cy="830997"/>
+          </a:xfrm>
+          <a:prstGeom prst="rect">
+            <a:avLst/>
+          </a:prstGeom>
+          <a:noFill/>
+        </p:spPr>
+        <p:txBody>
+          <a:bodyPr wrap="square" rtlCol="0">
+            <a:spAutoFit/>
+          </a:bodyPr>
+          <a:lstStyle/>
+          <a:p>
+            <a:pPr algn="ctr"/>
+            <a:r>
+              <a:rPr lang="en-US" sz="4800" b="1" dirty="0">
+                <a:solidFill>
+                  <a:srgbClr val="660033"/>
+                </a:solidFill>
+              </a:rPr>
+              <a:t>( 3 / 3 )</a:t>
+            </a:r>
+            <a:endParaRPr lang="vi-VN" sz="4800" b="1" dirty="0">
+              <a:solidFill>
+                <a:srgbClr val="660033"/>
+              </a:solidFill>
+            </a:endParaRPr>
+          </a:p>
+        </p:txBody>
+      </p:sp>
+    </p:spTree>
+    <p:extLst>
+      <p:ext uri="{BB962C8B-B14F-4D97-AF65-F5344CB8AC3E}">
+        <p14:creationId xmlns:p14="http://schemas.microsoft.com/office/powerpoint/2010/main" val="3721402746"/>
+      </p:ext>
+    </p:extLst>
+  </p:cSld>
+  <p:clrMapOvr>
+    <a:masterClrMapping/>
+  </p:clrMapOvr>
+  <p:timing>
+    <p:tnLst>
+      <p:par>
+        <p:cTn id="1" dur="indefinite" restart="never" nodeType="tmRoot"/>
+      </p:par>
+    </p:tnLst>
+  </p:timing>
+</p:sld>
+</file>
+
+<file path=ppt/slides/slide11.xml><?xml version="1.0" encoding="utf-8"?>
+<p:sld xmlns:a="http://schemas.openxmlformats.org/drawingml/2006/main" xmlns:r="http://schemas.openxmlformats.org/officeDocument/2006/relationships" xmlns:p="http://schemas.openxmlformats.org/presentationml/2006/main">
+  <p:cSld>
+    <p:spTree>
+      <p:nvGrpSpPr>
+        <p:cNvPr id="1" name=""/>
+        <p:cNvGrpSpPr/>
+        <p:nvPr/>
+      </p:nvGrpSpPr>
+      <p:grpSpPr>
+        <a:xfrm>
+          <a:off x="0" y="0"/>
+          <a:ext cx="0" cy="0"/>
+          <a:chOff x="0" y="0"/>
+          <a:chExt cx="0" cy="0"/>
+        </a:xfrm>
+      </p:grpSpPr>
+      <p:sp>
+        <p:nvSpPr>
+          <p:cNvPr id="5" name="內容版面配置區 4"/>
+          <p:cNvSpPr>
+            <a:spLocks noGrp="1"/>
+          </p:cNvSpPr>
+          <p:nvPr>
+            <p:ph idx="1"/>
+          </p:nvPr>
+        </p:nvSpPr>
+        <p:spPr>
+          <a:xfrm>
+            <a:off x="0" y="2084851"/>
+            <a:ext cx="12192000" cy="2404863"/>
+          </a:xfrm>
+        </p:spPr>
+        <p:txBody>
+          <a:bodyPr anchor="ctr">
+            <a:normAutofit/>
+          </a:bodyPr>
+          <a:lstStyle/>
+          <a:p>
+            <a:pPr marL="0" indent="0" algn="ctr">
+              <a:buNone/>
+            </a:pPr>
+            <a:r>
+              <a:rPr lang="zh-TW" altLang="en-US" sz="6400" b="1" dirty="0">
+                <a:solidFill>
+                  <a:srgbClr val="660033"/>
+                </a:solidFill>
+                <a:latin typeface="Microsoft JhengHei" pitchFamily="34" charset="-120"/>
+                <a:ea typeface="Microsoft JhengHei" pitchFamily="34" charset="-120"/>
+              </a:rPr>
+              <a:t>當那時展翼帶我飛上天庭</a:t>
+            </a:r>
+          </a:p>
+          <a:p>
+            <a:pPr marL="0" indent="0" algn="ctr">
+              <a:buNone/>
+            </a:pPr>
+            <a:r>
+              <a:rPr lang="zh-TW" altLang="en-US" sz="6400" b="1" dirty="0">
+                <a:solidFill>
+                  <a:srgbClr val="660033"/>
+                </a:solidFill>
+                <a:latin typeface="Microsoft JhengHei" pitchFamily="34" charset="-120"/>
+                <a:ea typeface="Microsoft JhengHei" pitchFamily="34" charset="-120"/>
+              </a:rPr>
+              <a:t>稱頌主恩愛見天父榮面</a:t>
+            </a:r>
+          </a:p>
+        </p:txBody>
+      </p:sp>
+      <p:sp>
+        <p:nvSpPr>
+          <p:cNvPr id="3" name="TextBox 2"/>
+          <p:cNvSpPr txBox="1"/>
+          <p:nvPr/>
+        </p:nvSpPr>
+        <p:spPr>
+          <a:xfrm>
+            <a:off x="0" y="5061182"/>
+            <a:ext cx="12192000" cy="830997"/>
+          </a:xfrm>
+          <a:prstGeom prst="rect">
+            <a:avLst/>
+          </a:prstGeom>
+          <a:noFill/>
+        </p:spPr>
+        <p:txBody>
+          <a:bodyPr wrap="square" rtlCol="0">
+            <a:spAutoFit/>
+          </a:bodyPr>
+          <a:lstStyle/>
+          <a:p>
+            <a:pPr algn="ctr"/>
+            <a:r>
+              <a:rPr lang="en-US" sz="4800" b="1" dirty="0">
+                <a:solidFill>
+                  <a:srgbClr val="660033"/>
+                </a:solidFill>
+              </a:rPr>
+              <a:t>( 3 / 3 )</a:t>
+            </a:r>
+            <a:endParaRPr lang="vi-VN" sz="4800" b="1" dirty="0">
+              <a:solidFill>
+                <a:srgbClr val="660033"/>
+              </a:solidFill>
+            </a:endParaRPr>
+          </a:p>
+        </p:txBody>
+      </p:sp>
+    </p:spTree>
+    <p:extLst>
+      <p:ext uri="{BB962C8B-B14F-4D97-AF65-F5344CB8AC3E}">
+        <p14:creationId xmlns:p14="http://schemas.microsoft.com/office/powerpoint/2010/main" val="3118471378"/>
+      </p:ext>
+    </p:extLst>
+  </p:cSld>
+  <p:clrMapOvr>
+    <a:masterClrMapping/>
+  </p:clrMapOvr>
+  <p:timing>
+    <p:tnLst>
+      <p:par>
+        <p:cTn id="1" dur="indefinite" restart="never" nodeType="tmRoot"/>
+      </p:par>
+    </p:tnLst>
+  </p:timing>
+</p:sld>
+</file>
+
+<file path=ppt/slides/slide12.xml><?xml version="1.0" encoding="utf-8"?>
+<p:sld xmlns:a="http://schemas.openxmlformats.org/drawingml/2006/main" xmlns:r="http://schemas.openxmlformats.org/officeDocument/2006/relationships" xmlns:p="http://schemas.openxmlformats.org/presentationml/2006/main">
+  <p:cSld>
+    <p:spTree>
+      <p:nvGrpSpPr>
+        <p:cNvPr id="1" name=""/>
+        <p:cNvGrpSpPr/>
+        <p:nvPr/>
+      </p:nvGrpSpPr>
+      <p:grpSpPr>
+        <a:xfrm>
+          <a:off x="0" y="0"/>
+          <a:ext cx="0" cy="0"/>
+          <a:chOff x="0" y="0"/>
+          <a:chExt cx="0" cy="0"/>
+        </a:xfrm>
+      </p:grpSpPr>
+      <p:sp>
+        <p:nvSpPr>
+          <p:cNvPr id="5" name="內容版面配置區 4"/>
+          <p:cNvSpPr>
+            <a:spLocks noGrp="1"/>
+          </p:cNvSpPr>
+          <p:nvPr>
+            <p:ph idx="1"/>
+          </p:nvPr>
+        </p:nvSpPr>
+        <p:spPr>
+          <a:xfrm>
+            <a:off x="0" y="2084851"/>
+            <a:ext cx="12192000" cy="2404863"/>
+          </a:xfrm>
+        </p:spPr>
+        <p:txBody>
+          <a:bodyPr anchor="ctr">
+            <a:normAutofit/>
+          </a:bodyPr>
+          <a:lstStyle/>
+          <a:p>
+            <a:pPr marL="0" indent="0" algn="ctr">
+              <a:buNone/>
+            </a:pPr>
+            <a:r>
+              <a:rPr lang="zh-TW" altLang="en-US" sz="6400" b="1" dirty="0">
+                <a:solidFill>
+                  <a:srgbClr val="660033"/>
+                </a:solidFill>
+                <a:latin typeface="Microsoft JhengHei" pitchFamily="34" charset="-120"/>
+                <a:ea typeface="Microsoft JhengHei" pitchFamily="34" charset="-120"/>
+              </a:rPr>
+              <a:t>安穩隱藏主翅膀下</a:t>
+            </a:r>
+          </a:p>
+          <a:p>
+            <a:pPr marL="0" indent="0" algn="ctr">
+              <a:buNone/>
+            </a:pPr>
+            <a:r>
+              <a:rPr lang="zh-TW" altLang="en-US" sz="6400" b="1" dirty="0">
+                <a:solidFill>
+                  <a:srgbClr val="660033"/>
+                </a:solidFill>
+                <a:latin typeface="Microsoft JhengHei" pitchFamily="34" charset="-120"/>
+                <a:ea typeface="Microsoft JhengHei" pitchFamily="34" charset="-120"/>
+              </a:rPr>
+              <a:t>誰能使我離主愛</a:t>
+            </a:r>
+          </a:p>
+        </p:txBody>
+      </p:sp>
+    </p:spTree>
+    <p:extLst>
+      <p:ext uri="{BB962C8B-B14F-4D97-AF65-F5344CB8AC3E}">
+        <p14:creationId xmlns:p14="http://schemas.microsoft.com/office/powerpoint/2010/main" val="3401282160"/>
+      </p:ext>
+    </p:extLst>
+  </p:cSld>
+  <p:clrMapOvr>
+    <a:masterClrMapping/>
+  </p:clrMapOvr>
+  <p:timing>
+    <p:tnLst>
+      <p:par>
+        <p:cTn id="1" dur="indefinite" restart="never" nodeType="tmRoot"/>
+      </p:par>
+    </p:tnLst>
+  </p:timing>
+</p:sld>
+</file>
+
+<file path=ppt/slides/slide13.xml><?xml version="1.0" encoding="utf-8"?>
+<p:sld xmlns:a="http://schemas.openxmlformats.org/drawingml/2006/main" xmlns:r="http://schemas.openxmlformats.org/officeDocument/2006/relationships" xmlns:p="http://schemas.openxmlformats.org/presentationml/2006/main">
+  <p:cSld>
+    <p:spTree>
+      <p:nvGrpSpPr>
+        <p:cNvPr id="1" name=""/>
+        <p:cNvGrpSpPr/>
+        <p:nvPr/>
+      </p:nvGrpSpPr>
+      <p:grpSpPr>
+        <a:xfrm>
+          <a:off x="0" y="0"/>
+          <a:ext cx="0" cy="0"/>
+          <a:chOff x="0" y="0"/>
+          <a:chExt cx="0" cy="0"/>
+        </a:xfrm>
+      </p:grpSpPr>
+      <p:sp>
+        <p:nvSpPr>
+          <p:cNvPr id="5" name="內容版面配置區 4"/>
+          <p:cNvSpPr>
+            <a:spLocks noGrp="1"/>
+          </p:cNvSpPr>
+          <p:nvPr>
+            <p:ph idx="1"/>
+          </p:nvPr>
+        </p:nvSpPr>
+        <p:spPr>
+          <a:xfrm>
+            <a:off x="0" y="2084851"/>
+            <a:ext cx="12192000" cy="2404863"/>
+          </a:xfrm>
+        </p:spPr>
+        <p:txBody>
+          <a:bodyPr anchor="ctr">
+            <a:normAutofit/>
+          </a:bodyPr>
+          <a:lstStyle/>
+          <a:p>
+            <a:pPr marL="0" indent="0" algn="ctr">
+              <a:buNone/>
+            </a:pPr>
+            <a:r>
+              <a:rPr lang="zh-TW" altLang="en-US" sz="6400" b="1" dirty="0">
+                <a:solidFill>
+                  <a:srgbClr val="660033"/>
+                </a:solidFill>
+                <a:latin typeface="Microsoft JhengHei" pitchFamily="34" charset="-120"/>
+                <a:ea typeface="Microsoft JhengHei" pitchFamily="34" charset="-120"/>
+              </a:rPr>
+              <a:t>主翅膀下要永居無怕</a:t>
+            </a:r>
+          </a:p>
+          <a:p>
+            <a:pPr marL="0" indent="0" algn="ctr">
+              <a:buNone/>
+            </a:pPr>
+            <a:r>
+              <a:rPr lang="zh-TW" altLang="en-US" sz="6400" b="1" dirty="0">
+                <a:solidFill>
+                  <a:srgbClr val="660033"/>
+                </a:solidFill>
+                <a:latin typeface="Microsoft JhengHei" pitchFamily="34" charset="-120"/>
+                <a:ea typeface="Microsoft JhengHei" pitchFamily="34" charset="-120"/>
+              </a:rPr>
+              <a:t>救主大能堪足依賴</a:t>
+            </a:r>
+          </a:p>
+        </p:txBody>
+      </p:sp>
+    </p:spTree>
+    <p:extLst>
+      <p:ext uri="{BB962C8B-B14F-4D97-AF65-F5344CB8AC3E}">
+        <p14:creationId xmlns:p14="http://schemas.microsoft.com/office/powerpoint/2010/main" val="4192492207"/>
+      </p:ext>
+    </p:extLst>
+  </p:cSld>
+  <p:clrMapOvr>
+    <a:masterClrMapping/>
+  </p:clrMapOvr>
+  <p:timing>
+    <p:tnLst>
+      <p:par>
+        <p:cTn id="1" dur="indefinite" restart="never" nodeType="tmRoot"/>
+      </p:par>
+    </p:tnLst>
+  </p:timing>
 </p:sld>
 </file>
 
@@ -4085,147 +4389,130 @@
       </p:grpSpPr>
       <p:sp>
         <p:nvSpPr>
-          <p:cNvPr id="4" name="Title 3"/>
-          <p:cNvSpPr>
-            <a:spLocks noGrp="1"/>
-          </p:cNvSpPr>
-          <p:nvPr>
-            <p:ph type="title"/>
-          </p:nvPr>
-        </p:nvSpPr>
-        <p:spPr/>
-        <p:txBody>
-          <a:bodyPr>
+          <p:cNvPr id="5" name="內容版面配置區 4"/>
+          <p:cNvSpPr>
+            <a:spLocks noGrp="1"/>
+          </p:cNvSpPr>
+          <p:nvPr>
+            <p:ph idx="1"/>
+          </p:nvPr>
+        </p:nvSpPr>
+        <p:spPr>
+          <a:xfrm>
+            <a:off x="0" y="2084851"/>
+            <a:ext cx="12192000" cy="2404863"/>
+          </a:xfrm>
+        </p:spPr>
+        <p:txBody>
+          <a:bodyPr anchor="ctr">
             <a:normAutofit/>
           </a:bodyPr>
           <a:lstStyle/>
           <a:p>
-            <a:r>
-              <a:rPr lang="en-US" altLang="zh-CN" sz="4800" b="1" dirty="0">
+            <a:pPr marL="0" indent="0" algn="ctr">
+              <a:buNone/>
+            </a:pPr>
+            <a:r>
+              <a:rPr lang="zh-TW" altLang="en-US" sz="6400" b="1" dirty="0">
                 <a:solidFill>
-                  <a:srgbClr val="002060"/>
+                  <a:srgbClr val="660033"/>
                 </a:solidFill>
-                <a:latin typeface="Microsoft JhengHei" panose="020B0604030504040204" pitchFamily="34" charset="-120"/>
-                <a:ea typeface="Microsoft JhengHei" panose="020B0604030504040204" pitchFamily="34" charset="-120"/>
+                <a:latin typeface="Microsoft JhengHei" pitchFamily="34" charset="-120"/>
+                <a:ea typeface="Microsoft JhengHei" pitchFamily="34" charset="-120"/>
               </a:rPr>
-              <a:t>【</a:t>
-            </a:r>
-            <a:r>
-              <a:rPr lang="zh-CN" altLang="en-US" sz="4800" b="1" dirty="0">
+              <a:t>安</a:t>
+            </a:r>
+            <a:r>
+              <a:rPr lang="zh-TW" altLang="en-US" sz="6400" b="1" dirty="0">
                 <a:solidFill>
-                  <a:srgbClr val="002060"/>
+                  <a:srgbClr val="660033"/>
                 </a:solidFill>
-                <a:latin typeface="Microsoft JhengHei" panose="020B0604030504040204" pitchFamily="34" charset="-120"/>
-                <a:ea typeface="Microsoft JhengHei" panose="020B0604030504040204" pitchFamily="34" charset="-120"/>
+                <a:latin typeface="Microsoft JhengHei" pitchFamily="34" charset="-120"/>
+                <a:ea typeface="Microsoft JhengHei" pitchFamily="34" charset="-120"/>
               </a:rPr>
-              <a:t>在他翼下</a:t>
-            </a:r>
-            <a:r>
-              <a:rPr lang="en-US" altLang="zh-CN" sz="4800" b="1" dirty="0">
+              <a:t>穩隱藏在主大能翅膀下</a:t>
+            </a:r>
+          </a:p>
+          <a:p>
+            <a:pPr marL="0" indent="0" algn="ctr">
+              <a:buNone/>
+            </a:pPr>
+            <a:r>
+              <a:rPr lang="zh-TW" altLang="en-US" sz="6400" b="1" dirty="0">
                 <a:solidFill>
-                  <a:srgbClr val="002060"/>
+                  <a:srgbClr val="660033"/>
                 </a:solidFill>
-                <a:latin typeface="Microsoft JhengHei" panose="020B0604030504040204" pitchFamily="34" charset="-120"/>
-                <a:ea typeface="Microsoft JhengHei" panose="020B0604030504040204" pitchFamily="34" charset="-120"/>
+                <a:latin typeface="Microsoft JhengHei" pitchFamily="34" charset="-120"/>
+                <a:ea typeface="Microsoft JhengHei" pitchFamily="34" charset="-120"/>
               </a:rPr>
-              <a:t>】</a:t>
-            </a:r>
-          </a:p>
-        </p:txBody>
-      </p:sp>
-      <p:sp>
-        <p:nvSpPr>
-          <p:cNvPr id="5" name="Content Placeholder 4"/>
-          <p:cNvSpPr>
-            <a:spLocks noGrp="1"/>
-          </p:cNvSpPr>
-          <p:nvPr>
-            <p:ph idx="1"/>
-          </p:nvPr>
+              <a:t>狂風暴雨來攻我也不怕</a:t>
+            </a:r>
+            <a:endParaRPr lang="en-US" altLang="zh-TW" sz="6400" b="1" dirty="0">
+              <a:solidFill>
+                <a:srgbClr val="660033"/>
+              </a:solidFill>
+              <a:latin typeface="Microsoft JhengHei" pitchFamily="34" charset="-120"/>
+              <a:ea typeface="Microsoft JhengHei" pitchFamily="34" charset="-120"/>
+            </a:endParaRPr>
+          </a:p>
+        </p:txBody>
+      </p:sp>
+      <p:sp>
+        <p:nvSpPr>
+          <p:cNvPr id="3" name="TextBox 2"/>
+          <p:cNvSpPr txBox="1"/>
+          <p:nvPr/>
         </p:nvSpPr>
         <p:spPr>
           <a:xfrm>
-            <a:off x="609600" y="1600203"/>
-            <a:ext cx="10972800" cy="5257797"/>
+            <a:off x="0" y="5061182"/>
+            <a:ext cx="12192000" cy="830997"/>
           </a:xfrm>
+          <a:prstGeom prst="rect">
+            <a:avLst/>
+          </a:prstGeom>
+          <a:noFill/>
         </p:spPr>
         <p:txBody>
-          <a:bodyPr>
-            <a:normAutofit/>
+          <a:bodyPr wrap="square" rtlCol="0">
+            <a:spAutoFit/>
           </a:bodyPr>
           <a:lstStyle/>
           <a:p>
-            <a:pPr marL="0" indent="0" algn="ctr">
-              <a:buNone/>
-            </a:pPr>
-            <a:r>
-              <a:rPr lang="zh-TW" altLang="en-US" sz="5400" b="1" dirty="0">
+            <a:pPr algn="ctr"/>
+            <a:r>
+              <a:rPr lang="en-US" sz="4800" b="1" dirty="0">
                 <a:solidFill>
-                  <a:srgbClr val="002060"/>
+                  <a:srgbClr val="660033"/>
                 </a:solidFill>
-                <a:latin typeface="Microsoft JhengHei" panose="020B0604030504040204" pitchFamily="34" charset="-120"/>
-                <a:ea typeface="Microsoft JhengHei" panose="020B0604030504040204" pitchFamily="34" charset="-120"/>
               </a:rPr>
-              <a:t>安穩隱藏主翅膀下</a:t>
-            </a:r>
-          </a:p>
-          <a:p>
-            <a:pPr marL="0" indent="0" algn="ctr">
-              <a:buNone/>
-            </a:pPr>
-            <a:r>
-              <a:rPr lang="zh-TW" altLang="en-US" sz="5400" b="1" dirty="0">
-                <a:solidFill>
-                  <a:srgbClr val="002060"/>
-                </a:solidFill>
-                <a:latin typeface="Microsoft JhengHei" panose="020B0604030504040204" pitchFamily="34" charset="-120"/>
-                <a:ea typeface="Microsoft JhengHei" panose="020B0604030504040204" pitchFamily="34" charset="-120"/>
-              </a:rPr>
-              <a:t>誰能使我離主愛</a:t>
-            </a:r>
-          </a:p>
-          <a:p>
-            <a:pPr marL="0" indent="0" algn="ctr">
-              <a:buNone/>
-            </a:pPr>
-            <a:r>
-              <a:rPr lang="zh-TW" altLang="en-US" sz="5400" b="1" dirty="0">
-                <a:solidFill>
-                  <a:srgbClr val="002060"/>
-                </a:solidFill>
-                <a:latin typeface="Microsoft JhengHei" panose="020B0604030504040204" pitchFamily="34" charset="-120"/>
-                <a:ea typeface="Microsoft JhengHei" panose="020B0604030504040204" pitchFamily="34" charset="-120"/>
-              </a:rPr>
-              <a:t>主翅膀下要永居無怕</a:t>
-            </a:r>
-          </a:p>
-          <a:p>
-            <a:pPr marL="0" indent="0" algn="ctr">
-              <a:buNone/>
-            </a:pPr>
-            <a:r>
-              <a:rPr lang="zh-TW" altLang="en-US" sz="5400" b="1" dirty="0">
-                <a:solidFill>
-                  <a:srgbClr val="002060"/>
-                </a:solidFill>
-                <a:latin typeface="Microsoft JhengHei" panose="020B0604030504040204" pitchFamily="34" charset="-120"/>
-                <a:ea typeface="Microsoft JhengHei" panose="020B0604030504040204" pitchFamily="34" charset="-120"/>
-              </a:rPr>
-              <a:t>救主大能堪足依賴</a:t>
-            </a:r>
+              <a:t>( 1 / 3 )</a:t>
+            </a:r>
+            <a:endParaRPr lang="vi-VN" sz="4800" b="1" dirty="0">
+              <a:solidFill>
+                <a:srgbClr val="660033"/>
+              </a:solidFill>
+            </a:endParaRPr>
           </a:p>
         </p:txBody>
       </p:sp>
     </p:spTree>
     <p:extLst>
       <p:ext uri="{BB962C8B-B14F-4D97-AF65-F5344CB8AC3E}">
-        <p14:creationId xmlns:p14="http://schemas.microsoft.com/office/powerpoint/2010/main" val="2123286430"/>
+        <p14:creationId xmlns:p14="http://schemas.microsoft.com/office/powerpoint/2010/main" val="2197899381"/>
       </p:ext>
     </p:extLst>
   </p:cSld>
   <p:clrMapOvr>
     <a:masterClrMapping/>
   </p:clrMapOvr>
+  <p:timing>
+    <p:tnLst>
+      <p:par>
+        <p:cTn id="1" dur="indefinite" restart="never" nodeType="tmRoot"/>
+      </p:par>
+    </p:tnLst>
+  </p:timing>
 </p:sld>
 </file>
 
@@ -4248,299 +4535,111 @@
       </p:grpSpPr>
       <p:sp>
         <p:nvSpPr>
-          <p:cNvPr id="4" name="Title 3"/>
-          <p:cNvSpPr>
-            <a:spLocks noGrp="1"/>
-          </p:cNvSpPr>
-          <p:nvPr>
-            <p:ph type="title"/>
-          </p:nvPr>
-        </p:nvSpPr>
-        <p:spPr/>
-        <p:txBody>
-          <a:bodyPr>
+          <p:cNvPr id="5" name="內容版面配置區 4"/>
+          <p:cNvSpPr>
+            <a:spLocks noGrp="1"/>
+          </p:cNvSpPr>
+          <p:nvPr>
+            <p:ph idx="1"/>
+          </p:nvPr>
+        </p:nvSpPr>
+        <p:spPr>
+          <a:xfrm>
+            <a:off x="0" y="2084851"/>
+            <a:ext cx="12192000" cy="2404863"/>
+          </a:xfrm>
+        </p:spPr>
+        <p:txBody>
+          <a:bodyPr anchor="ctr">
             <a:normAutofit/>
           </a:bodyPr>
           <a:lstStyle/>
           <a:p>
-            <a:r>
-              <a:rPr lang="en-US" altLang="zh-CN" sz="4800" b="1" dirty="0">
+            <a:pPr marL="0" indent="0" algn="ctr">
+              <a:buNone/>
+            </a:pPr>
+            <a:r>
+              <a:rPr lang="zh-TW" altLang="en-US" sz="6400" b="1" dirty="0">
                 <a:solidFill>
-                  <a:srgbClr val="002060"/>
+                  <a:srgbClr val="660033"/>
                 </a:solidFill>
-                <a:latin typeface="Microsoft JhengHei" panose="020B0604030504040204" pitchFamily="34" charset="-120"/>
-                <a:ea typeface="Microsoft JhengHei" panose="020B0604030504040204" pitchFamily="34" charset="-120"/>
+                <a:latin typeface="Microsoft JhengHei" pitchFamily="34" charset="-120"/>
+                <a:ea typeface="Microsoft JhengHei" pitchFamily="34" charset="-120"/>
               </a:rPr>
-              <a:t>【</a:t>
-            </a:r>
-            <a:r>
-              <a:rPr lang="zh-CN" altLang="en-US" sz="4800" b="1" dirty="0">
+              <a:t>魔鬼雖用計欲奪去我靈魂</a:t>
+            </a:r>
+          </a:p>
+          <a:p>
+            <a:pPr marL="0" indent="0" algn="ctr">
+              <a:buNone/>
+            </a:pPr>
+            <a:r>
+              <a:rPr lang="zh-TW" altLang="en-US" sz="6400" b="1" dirty="0">
                 <a:solidFill>
-                  <a:srgbClr val="002060"/>
+                  <a:srgbClr val="660033"/>
                 </a:solidFill>
-                <a:latin typeface="Microsoft JhengHei" panose="020B0604030504040204" pitchFamily="34" charset="-120"/>
-                <a:ea typeface="Microsoft JhengHei" panose="020B0604030504040204" pitchFamily="34" charset="-120"/>
+                <a:latin typeface="Microsoft JhengHei" pitchFamily="34" charset="-120"/>
+                <a:ea typeface="Microsoft JhengHei" pitchFamily="34" charset="-120"/>
               </a:rPr>
-              <a:t>在他翼下</a:t>
-            </a:r>
-            <a:r>
-              <a:rPr lang="en-US" altLang="zh-CN" sz="4800" b="1" dirty="0">
+              <a:t> 但我藏在主</a:t>
+            </a:r>
+            <a:r>
+              <a:rPr lang="zh-CN" altLang="en-US" sz="6400" b="1" dirty="0">
                 <a:solidFill>
-                  <a:srgbClr val="002060"/>
+                  <a:srgbClr val="660033"/>
                 </a:solidFill>
-                <a:latin typeface="Microsoft JhengHei" panose="020B0604030504040204" pitchFamily="34" charset="-120"/>
-                <a:ea typeface="Microsoft JhengHei" panose="020B0604030504040204" pitchFamily="34" charset="-120"/>
+                <a:latin typeface="Microsoft JhengHei" pitchFamily="34" charset="-120"/>
+                <a:ea typeface="Microsoft JhengHei" pitchFamily="34" charset="-120"/>
               </a:rPr>
-              <a:t>】</a:t>
-            </a:r>
-          </a:p>
-        </p:txBody>
-      </p:sp>
-      <p:sp>
-        <p:nvSpPr>
-          <p:cNvPr id="5" name="Content Placeholder 4"/>
-          <p:cNvSpPr>
-            <a:spLocks noGrp="1"/>
-          </p:cNvSpPr>
-          <p:nvPr>
-            <p:ph idx="1"/>
-          </p:nvPr>
+              <a:t>裡</a:t>
+            </a:r>
+            <a:r>
+              <a:rPr lang="zh-TW" altLang="en-US" sz="6400" b="1" dirty="0">
+                <a:solidFill>
+                  <a:srgbClr val="660033"/>
+                </a:solidFill>
+                <a:latin typeface="Microsoft JhengHei" pitchFamily="34" charset="-120"/>
+                <a:ea typeface="Microsoft JhengHei" pitchFamily="34" charset="-120"/>
+              </a:rPr>
+              <a:t>一無所掛</a:t>
+            </a:r>
+          </a:p>
+        </p:txBody>
+      </p:sp>
+      <p:sp>
+        <p:nvSpPr>
+          <p:cNvPr id="3" name="TextBox 2"/>
+          <p:cNvSpPr txBox="1"/>
+          <p:nvPr/>
         </p:nvSpPr>
         <p:spPr>
           <a:xfrm>
-            <a:off x="609600" y="1600203"/>
-            <a:ext cx="10972800" cy="5257797"/>
-          </a:xfrm>
-        </p:spPr>
-        <p:txBody>
-          <a:bodyPr>
-            <a:normAutofit/>
-          </a:bodyPr>
-          <a:lstStyle/>
-          <a:p>
-            <a:pPr marL="0" indent="0" algn="ctr">
-              <a:buNone/>
-            </a:pPr>
-            <a:r>
-              <a:rPr lang="zh-TW" altLang="en-US" sz="5400" b="1" dirty="0">
-                <a:solidFill>
-                  <a:srgbClr val="002060"/>
-                </a:solidFill>
-                <a:latin typeface="Microsoft JhengHei" panose="020B0604030504040204" pitchFamily="34" charset="-120"/>
-                <a:ea typeface="Microsoft JhengHei" panose="020B0604030504040204" pitchFamily="34" charset="-120"/>
-              </a:rPr>
-              <a:t>安穩隱藏在</a:t>
-            </a:r>
-            <a:r>
-              <a:rPr lang="zh-TW" altLang="en-US" sz="5400" b="1" dirty="0">
-                <a:solidFill>
-                  <a:srgbClr val="002060"/>
-                </a:solidFill>
-                <a:latin typeface="Microsoft JhengHei" panose="020B0604030504040204" pitchFamily="34" charset="-120"/>
-                <a:ea typeface="Microsoft JhengHei" panose="020B0604030504040204" pitchFamily="34" charset="-120"/>
-              </a:rPr>
-              <a:t>主大</a:t>
-            </a:r>
-            <a:r>
-              <a:rPr lang="zh-TW" altLang="en-US" sz="5400" b="1" dirty="0">
-                <a:solidFill>
-                  <a:srgbClr val="002060"/>
-                </a:solidFill>
-                <a:latin typeface="Microsoft JhengHei" panose="020B0604030504040204" pitchFamily="34" charset="-120"/>
-                <a:ea typeface="Microsoft JhengHei" panose="020B0604030504040204" pitchFamily="34" charset="-120"/>
-              </a:rPr>
-              <a:t>能翅膀下</a:t>
-            </a:r>
-          </a:p>
-          <a:p>
-            <a:pPr marL="0" indent="0" algn="ctr">
-              <a:buNone/>
-            </a:pPr>
-            <a:r>
-              <a:rPr lang="zh-TW" altLang="en-US" sz="5400" b="1" dirty="0">
-                <a:solidFill>
-                  <a:srgbClr val="002060"/>
-                </a:solidFill>
-                <a:latin typeface="Microsoft JhengHei" panose="020B0604030504040204" pitchFamily="34" charset="-120"/>
-                <a:ea typeface="Microsoft JhengHei" panose="020B0604030504040204" pitchFamily="34" charset="-120"/>
-              </a:rPr>
-              <a:t>何</a:t>
-            </a:r>
-            <a:r>
-              <a:rPr lang="zh-CN" altLang="en-US" sz="5400" b="1" dirty="0">
-                <a:solidFill>
-                  <a:srgbClr val="002060"/>
-                </a:solidFill>
-                <a:latin typeface="Microsoft JhengHei" panose="020B0604030504040204" pitchFamily="34" charset="-120"/>
-                <a:ea typeface="Microsoft JhengHei" panose="020B0604030504040204" pitchFamily="34" charset="-120"/>
-              </a:rPr>
-              <a:t>等溫</a:t>
-            </a:r>
-            <a:r>
-              <a:rPr lang="zh-TW" altLang="en-US" sz="5400" b="1" dirty="0">
-                <a:solidFill>
-                  <a:srgbClr val="002060"/>
-                </a:solidFill>
-                <a:latin typeface="Microsoft JhengHei" panose="020B0604030504040204" pitchFamily="34" charset="-120"/>
-                <a:ea typeface="Microsoft JhengHei" panose="020B0604030504040204" pitchFamily="34" charset="-120"/>
-              </a:rPr>
-              <a:t>暖何</a:t>
-            </a:r>
-            <a:r>
-              <a:rPr lang="zh-TW" altLang="en-US" sz="5400" b="1" dirty="0">
-                <a:solidFill>
-                  <a:srgbClr val="002060"/>
-                </a:solidFill>
-                <a:latin typeface="Microsoft JhengHei" panose="020B0604030504040204" pitchFamily="34" charset="-120"/>
-                <a:ea typeface="Microsoft JhengHei" panose="020B0604030504040204" pitchFamily="34" charset="-120"/>
-              </a:rPr>
-              <a:t>等柔和週</a:t>
-            </a:r>
-            <a:r>
-              <a:rPr lang="zh-TW" altLang="en-US" sz="5400" b="1" dirty="0">
-                <a:solidFill>
-                  <a:srgbClr val="002060"/>
-                </a:solidFill>
-                <a:latin typeface="Microsoft JhengHei" panose="020B0604030504040204" pitchFamily="34" charset="-120"/>
-                <a:ea typeface="Microsoft JhengHei" panose="020B0604030504040204" pitchFamily="34" charset="-120"/>
-              </a:rPr>
-              <a:t>密</a:t>
-            </a:r>
-            <a:endParaRPr lang="en-US" altLang="zh-TW" sz="5400" b="1" dirty="0">
-              <a:solidFill>
-                <a:srgbClr val="002060"/>
-              </a:solidFill>
-              <a:latin typeface="Microsoft JhengHei" panose="020B0604030504040204" pitchFamily="34" charset="-120"/>
-              <a:ea typeface="Microsoft JhengHei" panose="020B0604030504040204" pitchFamily="34" charset="-120"/>
-            </a:endParaRPr>
-          </a:p>
-          <a:p>
-            <a:pPr marL="0" indent="0" algn="ctr">
-              <a:buNone/>
-            </a:pPr>
-            <a:r>
-              <a:rPr lang="zh-TW" altLang="en-US" sz="5400" b="1" dirty="0">
-                <a:solidFill>
-                  <a:srgbClr val="002060"/>
-                </a:solidFill>
-                <a:latin typeface="Microsoft JhengHei" panose="020B0604030504040204" pitchFamily="34" charset="-120"/>
-                <a:ea typeface="Microsoft JhengHei" panose="020B0604030504040204" pitchFamily="34" charset="-120"/>
-              </a:rPr>
-              <a:t>當我遇攻</a:t>
-            </a:r>
-            <a:r>
-              <a:rPr lang="zh-TW" altLang="en-US" sz="5400" b="1" dirty="0">
-                <a:solidFill>
-                  <a:srgbClr val="002060"/>
-                </a:solidFill>
-                <a:latin typeface="Microsoft JhengHei" panose="020B0604030504040204" pitchFamily="34" charset="-120"/>
-                <a:ea typeface="Microsoft JhengHei" panose="020B0604030504040204" pitchFamily="34" charset="-120"/>
-              </a:rPr>
-              <a:t>擊無</a:t>
-            </a:r>
-            <a:r>
-              <a:rPr lang="zh-TW" altLang="en-US" sz="5400" b="1" dirty="0">
-                <a:solidFill>
-                  <a:srgbClr val="002060"/>
-                </a:solidFill>
-                <a:latin typeface="Microsoft JhengHei" panose="020B0604030504040204" pitchFamily="34" charset="-120"/>
-                <a:ea typeface="Microsoft JhengHei" panose="020B0604030504040204" pitchFamily="34" charset="-120"/>
-              </a:rPr>
-              <a:t>處可獲幫助</a:t>
-            </a:r>
-          </a:p>
-          <a:p>
-            <a:pPr marL="0" indent="0" algn="ctr">
-              <a:buNone/>
-            </a:pPr>
-            <a:r>
-              <a:rPr lang="zh-TW" altLang="en-US" sz="5400" b="1" dirty="0">
-                <a:solidFill>
-                  <a:srgbClr val="002060"/>
-                </a:solidFill>
-                <a:latin typeface="Microsoft JhengHei" panose="020B0604030504040204" pitchFamily="34" charset="-120"/>
-                <a:ea typeface="Microsoft JhengHei" panose="020B0604030504040204" pitchFamily="34" charset="-120"/>
-              </a:rPr>
-              <a:t>在主蔭庇</a:t>
-            </a:r>
-            <a:r>
-              <a:rPr lang="zh-TW" altLang="en-US" sz="5400" b="1" dirty="0">
-                <a:solidFill>
-                  <a:srgbClr val="002060"/>
-                </a:solidFill>
-                <a:latin typeface="Microsoft JhengHei" panose="020B0604030504040204" pitchFamily="34" charset="-120"/>
-                <a:ea typeface="Microsoft JhengHei" panose="020B0604030504040204" pitchFamily="34" charset="-120"/>
-              </a:rPr>
-              <a:t>下真</a:t>
-            </a:r>
-            <a:r>
-              <a:rPr lang="zh-TW" altLang="en-US" sz="5400" b="1" dirty="0">
-                <a:solidFill>
-                  <a:srgbClr val="002060"/>
-                </a:solidFill>
-                <a:latin typeface="Microsoft JhengHei" panose="020B0604030504040204" pitchFamily="34" charset="-120"/>
-                <a:ea typeface="Microsoft JhengHei" panose="020B0604030504040204" pitchFamily="34" charset="-120"/>
-              </a:rPr>
-              <a:t>百無一</a:t>
-            </a:r>
-            <a:r>
-              <a:rPr lang="zh-TW" altLang="en-US" sz="5400" b="1" dirty="0">
-                <a:solidFill>
-                  <a:srgbClr val="002060"/>
-                </a:solidFill>
-                <a:latin typeface="Microsoft JhengHei" panose="020B0604030504040204" pitchFamily="34" charset="-120"/>
-                <a:ea typeface="Microsoft JhengHei" panose="020B0604030504040204" pitchFamily="34" charset="-120"/>
-              </a:rPr>
-              <a:t>失</a:t>
-            </a:r>
-            <a:endParaRPr lang="zh-TW" altLang="en-US" sz="5400" b="1" dirty="0">
-              <a:solidFill>
-                <a:srgbClr val="002060"/>
-              </a:solidFill>
-              <a:latin typeface="Microsoft JhengHei" panose="020B0604030504040204" pitchFamily="34" charset="-120"/>
-              <a:ea typeface="Microsoft JhengHei" panose="020B0604030504040204" pitchFamily="34" charset="-120"/>
-            </a:endParaRPr>
-          </a:p>
-        </p:txBody>
-      </p:sp>
-      <p:sp>
-        <p:nvSpPr>
-          <p:cNvPr id="6" name="Text Box 1"/>
-          <p:cNvSpPr txBox="1"/>
-          <p:nvPr/>
-        </p:nvSpPr>
-        <p:spPr>
-          <a:xfrm>
-            <a:off x="636270" y="1676400"/>
-            <a:ext cx="1351226" cy="923330"/>
+            <a:off x="0" y="5061182"/>
+            <a:ext cx="12192000" cy="830997"/>
           </a:xfrm>
           <a:prstGeom prst="rect">
             <a:avLst/>
           </a:prstGeom>
           <a:noFill/>
-          <a:ln w="9525">
-            <a:noFill/>
-            <a:miter lim="800000"/>
-          </a:ln>
         </p:spPr>
         <p:txBody>
-          <a:bodyPr wrap="square">
+          <a:bodyPr wrap="square" rtlCol="0">
             <a:spAutoFit/>
           </a:bodyPr>
           <a:lstStyle/>
           <a:p>
             <a:pPr algn="ctr"/>
             <a:r>
-              <a:rPr lang="en-US" sz="5400" b="1" dirty="0" smtClean="0">
+              <a:rPr lang="en-US" sz="4800" b="1" dirty="0">
                 <a:solidFill>
-                  <a:srgbClr val="002060"/>
+                  <a:srgbClr val="660033"/>
                 </a:solidFill>
               </a:rPr>
-              <a:t>2.</a:t>
-            </a:r>
-            <a:endParaRPr lang="en-US" sz="5400" b="1" dirty="0">
+              <a:t>( 1 / 3 )</a:t>
+            </a:r>
+            <a:endParaRPr lang="vi-VN" sz="4800" b="1" dirty="0">
               <a:solidFill>
-                <a:srgbClr val="002060"/>
+                <a:srgbClr val="660033"/>
               </a:solidFill>
             </a:endParaRPr>
           </a:p>
@@ -4549,13 +4648,20 @@
     </p:spTree>
     <p:extLst>
       <p:ext uri="{BB962C8B-B14F-4D97-AF65-F5344CB8AC3E}">
-        <p14:creationId xmlns:p14="http://schemas.microsoft.com/office/powerpoint/2010/main" val="2491040285"/>
+        <p14:creationId xmlns:p14="http://schemas.microsoft.com/office/powerpoint/2010/main" val="1306868440"/>
       </p:ext>
     </p:extLst>
   </p:cSld>
   <p:clrMapOvr>
     <a:masterClrMapping/>
   </p:clrMapOvr>
+  <p:timing>
+    <p:tnLst>
+      <p:par>
+        <p:cTn id="1" dur="indefinite" restart="never" nodeType="tmRoot"/>
+      </p:par>
+    </p:tnLst>
+  </p:timing>
 </p:sld>
 </file>
 
@@ -4578,86 +4684,36 @@
       </p:grpSpPr>
       <p:sp>
         <p:nvSpPr>
-          <p:cNvPr id="4" name="Title 3"/>
-          <p:cNvSpPr>
-            <a:spLocks noGrp="1"/>
-          </p:cNvSpPr>
-          <p:nvPr>
-            <p:ph type="title"/>
-          </p:nvPr>
-        </p:nvSpPr>
-        <p:spPr/>
-        <p:txBody>
-          <a:bodyPr>
+          <p:cNvPr id="5" name="內容版面配置區 4"/>
+          <p:cNvSpPr>
+            <a:spLocks noGrp="1"/>
+          </p:cNvSpPr>
+          <p:nvPr>
+            <p:ph idx="1"/>
+          </p:nvPr>
+        </p:nvSpPr>
+        <p:spPr>
+          <a:xfrm>
+            <a:off x="0" y="2084851"/>
+            <a:ext cx="12192000" cy="2404863"/>
+          </a:xfrm>
+        </p:spPr>
+        <p:txBody>
+          <a:bodyPr anchor="ctr">
             <a:normAutofit/>
           </a:bodyPr>
           <a:lstStyle/>
           <a:p>
-            <a:r>
-              <a:rPr lang="en-US" altLang="zh-CN" sz="4800" b="1" dirty="0">
+            <a:pPr marL="0" indent="0" algn="ctr">
+              <a:buNone/>
+            </a:pPr>
+            <a:r>
+              <a:rPr lang="zh-TW" altLang="en-US" sz="6400" b="1" dirty="0">
                 <a:solidFill>
-                  <a:srgbClr val="002060"/>
+                  <a:srgbClr val="660033"/>
                 </a:solidFill>
-                <a:latin typeface="Microsoft JhengHei" panose="020B0604030504040204" pitchFamily="34" charset="-120"/>
-                <a:ea typeface="Microsoft JhengHei" panose="020B0604030504040204" pitchFamily="34" charset="-120"/>
-              </a:rPr>
-              <a:t>【</a:t>
-            </a:r>
-            <a:r>
-              <a:rPr lang="zh-CN" altLang="en-US" sz="4800" b="1" dirty="0">
-                <a:solidFill>
-                  <a:srgbClr val="002060"/>
-                </a:solidFill>
-                <a:latin typeface="Microsoft JhengHei" panose="020B0604030504040204" pitchFamily="34" charset="-120"/>
-                <a:ea typeface="Microsoft JhengHei" panose="020B0604030504040204" pitchFamily="34" charset="-120"/>
-              </a:rPr>
-              <a:t>在他翼下</a:t>
-            </a:r>
-            <a:r>
-              <a:rPr lang="en-US" altLang="zh-CN" sz="4800" b="1" dirty="0">
-                <a:solidFill>
-                  <a:srgbClr val="002060"/>
-                </a:solidFill>
-                <a:latin typeface="Microsoft JhengHei" panose="020B0604030504040204" pitchFamily="34" charset="-120"/>
-                <a:ea typeface="Microsoft JhengHei" panose="020B0604030504040204" pitchFamily="34" charset="-120"/>
-              </a:rPr>
-              <a:t>】</a:t>
-            </a:r>
-          </a:p>
-        </p:txBody>
-      </p:sp>
-      <p:sp>
-        <p:nvSpPr>
-          <p:cNvPr id="5" name="Content Placeholder 4"/>
-          <p:cNvSpPr>
-            <a:spLocks noGrp="1"/>
-          </p:cNvSpPr>
-          <p:nvPr>
-            <p:ph idx="1"/>
-          </p:nvPr>
-        </p:nvSpPr>
-        <p:spPr>
-          <a:xfrm>
-            <a:off x="609600" y="1600203"/>
-            <a:ext cx="10972800" cy="5257797"/>
-          </a:xfrm>
-        </p:spPr>
-        <p:txBody>
-          <a:bodyPr>
-            <a:normAutofit/>
-          </a:bodyPr>
-          <a:lstStyle/>
-          <a:p>
-            <a:pPr marL="0" indent="0" algn="ctr">
-              <a:buNone/>
-            </a:pPr>
-            <a:r>
-              <a:rPr lang="zh-TW" altLang="en-US" sz="5400" b="1" dirty="0">
-                <a:solidFill>
-                  <a:srgbClr val="002060"/>
-                </a:solidFill>
-                <a:latin typeface="Microsoft JhengHei" panose="020B0604030504040204" pitchFamily="34" charset="-120"/>
-                <a:ea typeface="Microsoft JhengHei" panose="020B0604030504040204" pitchFamily="34" charset="-120"/>
+                <a:latin typeface="Microsoft JhengHei" pitchFamily="34" charset="-120"/>
+                <a:ea typeface="Microsoft JhengHei" pitchFamily="34" charset="-120"/>
               </a:rPr>
               <a:t>安穩隱藏主翅膀下</a:t>
             </a:r>
@@ -4667,44 +4723,14 @@
               <a:buNone/>
             </a:pPr>
             <a:r>
-              <a:rPr lang="zh-TW" altLang="en-US" sz="5400" b="1" dirty="0">
+              <a:rPr lang="zh-TW" altLang="en-US" sz="6400" b="1" dirty="0">
                 <a:solidFill>
-                  <a:srgbClr val="002060"/>
+                  <a:srgbClr val="660033"/>
                 </a:solidFill>
-                <a:latin typeface="Microsoft JhengHei" panose="020B0604030504040204" pitchFamily="34" charset="-120"/>
-                <a:ea typeface="Microsoft JhengHei" panose="020B0604030504040204" pitchFamily="34" charset="-120"/>
+                <a:latin typeface="Microsoft JhengHei" pitchFamily="34" charset="-120"/>
+                <a:ea typeface="Microsoft JhengHei" pitchFamily="34" charset="-120"/>
               </a:rPr>
               <a:t>誰能使我離主愛</a:t>
-            </a:r>
-          </a:p>
-          <a:p>
-            <a:pPr marL="0" indent="0" algn="ctr">
-              <a:buNone/>
-            </a:pPr>
-            <a:r>
-              <a:rPr lang="zh-TW" altLang="en-US" sz="5400" b="1" dirty="0">
-                <a:solidFill>
-                  <a:srgbClr val="002060"/>
-                </a:solidFill>
-                <a:latin typeface="Microsoft JhengHei" panose="020B0604030504040204" pitchFamily="34" charset="-120"/>
-                <a:ea typeface="Microsoft JhengHei" panose="020B0604030504040204" pitchFamily="34" charset="-120"/>
-              </a:rPr>
-              <a:t>主翅膀下要永居無怕</a:t>
-            </a:r>
-          </a:p>
-          <a:p>
-            <a:pPr marL="0" indent="0" algn="ctr">
-              <a:buNone/>
-            </a:pPr>
-            <a:r>
-              <a:rPr lang="zh-TW" altLang="en-US" sz="5400" b="1" dirty="0">
-                <a:solidFill>
-                  <a:srgbClr val="002060"/>
-                </a:solidFill>
-                <a:latin typeface="Microsoft JhengHei" panose="020B0604030504040204" pitchFamily="34" charset="-120"/>
-                <a:ea typeface="Microsoft JhengHei" panose="020B0604030504040204" pitchFamily="34" charset="-120"/>
-              </a:rPr>
-              <a:t>救主大能堪足依賴</a:t>
             </a:r>
           </a:p>
         </p:txBody>
@@ -4712,13 +4738,20 @@
     </p:spTree>
     <p:extLst>
       <p:ext uri="{BB962C8B-B14F-4D97-AF65-F5344CB8AC3E}">
-        <p14:creationId xmlns:p14="http://schemas.microsoft.com/office/powerpoint/2010/main" val="1038700047"/>
+        <p14:creationId xmlns:p14="http://schemas.microsoft.com/office/powerpoint/2010/main" val="46239433"/>
       </p:ext>
     </p:extLst>
   </p:cSld>
   <p:clrMapOvr>
     <a:masterClrMapping/>
   </p:clrMapOvr>
+  <p:timing>
+    <p:tnLst>
+      <p:par>
+        <p:cTn id="1" dur="indefinite" restart="never" nodeType="tmRoot"/>
+      </p:par>
+    </p:tnLst>
+  </p:timing>
 </p:sld>
 </file>
 
@@ -4741,312 +4774,74 @@
       </p:grpSpPr>
       <p:sp>
         <p:nvSpPr>
-          <p:cNvPr id="4" name="Title 3"/>
-          <p:cNvSpPr>
-            <a:spLocks noGrp="1"/>
-          </p:cNvSpPr>
-          <p:nvPr>
-            <p:ph type="title"/>
-          </p:nvPr>
-        </p:nvSpPr>
-        <p:spPr/>
-        <p:txBody>
-          <a:bodyPr>
+          <p:cNvPr id="5" name="內容版面配置區 4"/>
+          <p:cNvSpPr>
+            <a:spLocks noGrp="1"/>
+          </p:cNvSpPr>
+          <p:nvPr>
+            <p:ph idx="1"/>
+          </p:nvPr>
+        </p:nvSpPr>
+        <p:spPr>
+          <a:xfrm>
+            <a:off x="0" y="2084851"/>
+            <a:ext cx="12192000" cy="2404863"/>
+          </a:xfrm>
+        </p:spPr>
+        <p:txBody>
+          <a:bodyPr anchor="ctr">
             <a:normAutofit/>
           </a:bodyPr>
           <a:lstStyle/>
           <a:p>
-            <a:r>
-              <a:rPr lang="en-US" altLang="zh-CN" sz="4800" b="1" dirty="0">
+            <a:pPr marL="0" indent="0" algn="ctr">
+              <a:buNone/>
+            </a:pPr>
+            <a:r>
+              <a:rPr lang="zh-TW" altLang="en-US" sz="6400" b="1" dirty="0">
                 <a:solidFill>
-                  <a:srgbClr val="002060"/>
+                  <a:srgbClr val="660033"/>
                 </a:solidFill>
-                <a:latin typeface="Microsoft JhengHei" panose="020B0604030504040204" pitchFamily="34" charset="-120"/>
-                <a:ea typeface="Microsoft JhengHei" panose="020B0604030504040204" pitchFamily="34" charset="-120"/>
+                <a:latin typeface="Microsoft JhengHei" pitchFamily="34" charset="-120"/>
+                <a:ea typeface="Microsoft JhengHei" pitchFamily="34" charset="-120"/>
               </a:rPr>
-              <a:t>【</a:t>
-            </a:r>
-            <a:r>
-              <a:rPr lang="zh-CN" altLang="en-US" sz="4800" b="1" dirty="0">
+              <a:t>主翅膀下要永居無怕</a:t>
+            </a:r>
+          </a:p>
+          <a:p>
+            <a:pPr marL="0" indent="0" algn="ctr">
+              <a:buNone/>
+            </a:pPr>
+            <a:r>
+              <a:rPr lang="zh-TW" altLang="en-US" sz="6400" b="1" dirty="0">
                 <a:solidFill>
-                  <a:srgbClr val="002060"/>
+                  <a:srgbClr val="660033"/>
                 </a:solidFill>
-                <a:latin typeface="Microsoft JhengHei" panose="020B0604030504040204" pitchFamily="34" charset="-120"/>
-                <a:ea typeface="Microsoft JhengHei" panose="020B0604030504040204" pitchFamily="34" charset="-120"/>
+                <a:latin typeface="Microsoft JhengHei" pitchFamily="34" charset="-120"/>
+                <a:ea typeface="Microsoft JhengHei" pitchFamily="34" charset="-120"/>
               </a:rPr>
-              <a:t>在他翼下</a:t>
-            </a:r>
-            <a:r>
-              <a:rPr lang="en-US" altLang="zh-CN" sz="4800" b="1" dirty="0">
-                <a:solidFill>
-                  <a:srgbClr val="002060"/>
-                </a:solidFill>
-                <a:latin typeface="Microsoft JhengHei" panose="020B0604030504040204" pitchFamily="34" charset="-120"/>
-                <a:ea typeface="Microsoft JhengHei" panose="020B0604030504040204" pitchFamily="34" charset="-120"/>
-              </a:rPr>
-              <a:t>】</a:t>
-            </a:r>
-          </a:p>
-        </p:txBody>
-      </p:sp>
-      <p:sp>
-        <p:nvSpPr>
-          <p:cNvPr id="5" name="Content Placeholder 4"/>
-          <p:cNvSpPr>
-            <a:spLocks noGrp="1"/>
-          </p:cNvSpPr>
-          <p:nvPr>
-            <p:ph idx="1"/>
-          </p:nvPr>
-        </p:nvSpPr>
-        <p:spPr>
-          <a:xfrm>
-            <a:off x="609600" y="1600203"/>
-            <a:ext cx="10972800" cy="5257797"/>
-          </a:xfrm>
-        </p:spPr>
-        <p:txBody>
-          <a:bodyPr>
-            <a:normAutofit/>
-          </a:bodyPr>
-          <a:lstStyle/>
-          <a:p>
-            <a:pPr marL="0" indent="0" algn="ctr">
-              <a:buNone/>
-            </a:pPr>
-            <a:r>
-              <a:rPr lang="zh-TW" altLang="en-US" sz="5400" b="1" dirty="0">
-                <a:solidFill>
-                  <a:srgbClr val="002060"/>
-                </a:solidFill>
-                <a:latin typeface="Microsoft JhengHei" panose="020B0604030504040204" pitchFamily="34" charset="-120"/>
-                <a:ea typeface="Microsoft JhengHei" panose="020B0604030504040204" pitchFamily="34" charset="-120"/>
-              </a:rPr>
-              <a:t>安穩隱藏在</a:t>
-            </a:r>
-            <a:r>
-              <a:rPr lang="zh-TW" altLang="en-US" sz="5400" b="1" dirty="0">
-                <a:solidFill>
-                  <a:srgbClr val="002060"/>
-                </a:solidFill>
-                <a:latin typeface="Microsoft JhengHei" panose="020B0604030504040204" pitchFamily="34" charset="-120"/>
-                <a:ea typeface="Microsoft JhengHei" panose="020B0604030504040204" pitchFamily="34" charset="-120"/>
-              </a:rPr>
-              <a:t>主大</a:t>
-            </a:r>
-            <a:r>
-              <a:rPr lang="zh-TW" altLang="en-US" sz="5400" b="1" dirty="0">
-                <a:solidFill>
-                  <a:srgbClr val="002060"/>
-                </a:solidFill>
-                <a:latin typeface="Microsoft JhengHei" panose="020B0604030504040204" pitchFamily="34" charset="-120"/>
-                <a:ea typeface="Microsoft JhengHei" panose="020B0604030504040204" pitchFamily="34" charset="-120"/>
-              </a:rPr>
-              <a:t>能翅膀下</a:t>
-            </a:r>
-          </a:p>
-          <a:p>
-            <a:pPr marL="0" indent="0" algn="ctr">
-              <a:buNone/>
-            </a:pPr>
-            <a:r>
-              <a:rPr lang="zh-TW" altLang="en-US" sz="5400" b="1" dirty="0">
-                <a:solidFill>
-                  <a:srgbClr val="002060"/>
-                </a:solidFill>
-                <a:latin typeface="Microsoft JhengHei" panose="020B0604030504040204" pitchFamily="34" charset="-120"/>
-                <a:ea typeface="Microsoft JhengHei" panose="020B0604030504040204" pitchFamily="34" charset="-120"/>
-              </a:rPr>
-              <a:t>直到黑</a:t>
-            </a:r>
-            <a:r>
-              <a:rPr lang="zh-TW" altLang="en-US" sz="5400" b="1" dirty="0">
-                <a:solidFill>
-                  <a:srgbClr val="002060"/>
-                </a:solidFill>
-                <a:latin typeface="Microsoft JhengHei" panose="020B0604030504040204" pitchFamily="34" charset="-120"/>
-                <a:ea typeface="Microsoft JhengHei" panose="020B0604030504040204" pitchFamily="34" charset="-120"/>
-              </a:rPr>
-              <a:t>雲過</a:t>
-            </a:r>
-            <a:r>
-              <a:rPr lang="zh-TW" altLang="en-US" sz="5400" b="1" dirty="0">
-                <a:solidFill>
-                  <a:srgbClr val="002060"/>
-                </a:solidFill>
-                <a:latin typeface="Microsoft JhengHei" panose="020B0604030504040204" pitchFamily="34" charset="-120"/>
-                <a:ea typeface="Microsoft JhengHei" panose="020B0604030504040204" pitchFamily="34" charset="-120"/>
-              </a:rPr>
-              <a:t>去青天復</a:t>
-            </a:r>
-            <a:r>
-              <a:rPr lang="zh-TW" altLang="en-US" sz="5400" b="1" dirty="0">
-                <a:solidFill>
-                  <a:srgbClr val="002060"/>
-                </a:solidFill>
-                <a:latin typeface="Microsoft JhengHei" panose="020B0604030504040204" pitchFamily="34" charset="-120"/>
-                <a:ea typeface="Microsoft JhengHei" panose="020B0604030504040204" pitchFamily="34" charset="-120"/>
-              </a:rPr>
-              <a:t>現</a:t>
-            </a:r>
-            <a:endParaRPr lang="en-US" altLang="zh-TW" sz="5400" b="1" dirty="0">
-              <a:solidFill>
-                <a:srgbClr val="002060"/>
-              </a:solidFill>
-              <a:latin typeface="Microsoft JhengHei" panose="020B0604030504040204" pitchFamily="34" charset="-120"/>
-              <a:ea typeface="Microsoft JhengHei" panose="020B0604030504040204" pitchFamily="34" charset="-120"/>
-            </a:endParaRPr>
-          </a:p>
-          <a:p>
-            <a:pPr marL="0" indent="0" algn="ctr">
-              <a:buNone/>
-            </a:pPr>
-            <a:r>
-              <a:rPr lang="zh-TW" altLang="en-US" sz="5400" b="1" dirty="0">
-                <a:solidFill>
-                  <a:srgbClr val="002060"/>
-                </a:solidFill>
-                <a:latin typeface="Microsoft JhengHei" panose="020B0604030504040204" pitchFamily="34" charset="-120"/>
-                <a:ea typeface="Microsoft JhengHei" panose="020B0604030504040204" pitchFamily="34" charset="-120"/>
-              </a:rPr>
-              <a:t>當那時展</a:t>
-            </a:r>
-            <a:r>
-              <a:rPr lang="zh-TW" altLang="en-US" sz="5400" b="1" dirty="0">
-                <a:solidFill>
-                  <a:srgbClr val="002060"/>
-                </a:solidFill>
-                <a:latin typeface="Microsoft JhengHei" panose="020B0604030504040204" pitchFamily="34" charset="-120"/>
-                <a:ea typeface="Microsoft JhengHei" panose="020B0604030504040204" pitchFamily="34" charset="-120"/>
-              </a:rPr>
-              <a:t>翼帶</a:t>
-            </a:r>
-            <a:r>
-              <a:rPr lang="zh-TW" altLang="en-US" sz="5400" b="1" dirty="0">
-                <a:solidFill>
-                  <a:srgbClr val="002060"/>
-                </a:solidFill>
-                <a:latin typeface="Microsoft JhengHei" panose="020B0604030504040204" pitchFamily="34" charset="-120"/>
-                <a:ea typeface="Microsoft JhengHei" panose="020B0604030504040204" pitchFamily="34" charset="-120"/>
-              </a:rPr>
-              <a:t>我飛上天庭</a:t>
-            </a:r>
-          </a:p>
-          <a:p>
-            <a:pPr marL="0" indent="0" algn="ctr">
-              <a:buNone/>
-            </a:pPr>
-            <a:r>
-              <a:rPr lang="zh-TW" altLang="en-US" sz="5400" b="1" dirty="0">
-                <a:solidFill>
-                  <a:srgbClr val="002060"/>
-                </a:solidFill>
-                <a:latin typeface="Microsoft JhengHei" panose="020B0604030504040204" pitchFamily="34" charset="-120"/>
-                <a:ea typeface="Microsoft JhengHei" panose="020B0604030504040204" pitchFamily="34" charset="-120"/>
-              </a:rPr>
-              <a:t>稱頌主恩</a:t>
-            </a:r>
-            <a:r>
-              <a:rPr lang="zh-TW" altLang="en-US" sz="5400" b="1" dirty="0">
-                <a:solidFill>
-                  <a:srgbClr val="002060"/>
-                </a:solidFill>
-                <a:latin typeface="Microsoft JhengHei" panose="020B0604030504040204" pitchFamily="34" charset="-120"/>
-                <a:ea typeface="Microsoft JhengHei" panose="020B0604030504040204" pitchFamily="34" charset="-120"/>
-              </a:rPr>
-              <a:t>愛見</a:t>
-            </a:r>
-            <a:r>
-              <a:rPr lang="zh-TW" altLang="en-US" sz="5400" b="1" dirty="0">
-                <a:solidFill>
-                  <a:srgbClr val="002060"/>
-                </a:solidFill>
-                <a:latin typeface="Microsoft JhengHei" panose="020B0604030504040204" pitchFamily="34" charset="-120"/>
-                <a:ea typeface="Microsoft JhengHei" panose="020B0604030504040204" pitchFamily="34" charset="-120"/>
-              </a:rPr>
-              <a:t>天父榮</a:t>
-            </a:r>
-            <a:r>
-              <a:rPr lang="zh-TW" altLang="en-US" sz="5400" b="1" dirty="0">
-                <a:solidFill>
-                  <a:srgbClr val="002060"/>
-                </a:solidFill>
-                <a:latin typeface="Microsoft JhengHei" panose="020B0604030504040204" pitchFamily="34" charset="-120"/>
-                <a:ea typeface="Microsoft JhengHei" panose="020B0604030504040204" pitchFamily="34" charset="-120"/>
-              </a:rPr>
-              <a:t>面</a:t>
-            </a:r>
-            <a:endParaRPr lang="zh-TW" altLang="en-US" sz="5400" b="1" dirty="0">
-              <a:solidFill>
-                <a:srgbClr val="002060"/>
-              </a:solidFill>
-              <a:latin typeface="Microsoft JhengHei" panose="020B0604030504040204" pitchFamily="34" charset="-120"/>
-              <a:ea typeface="Microsoft JhengHei" panose="020B0604030504040204" pitchFamily="34" charset="-120"/>
-            </a:endParaRPr>
-          </a:p>
-        </p:txBody>
-      </p:sp>
-      <p:sp>
-        <p:nvSpPr>
-          <p:cNvPr id="6" name="Text Box 1"/>
-          <p:cNvSpPr txBox="1"/>
-          <p:nvPr/>
-        </p:nvSpPr>
-        <p:spPr>
-          <a:xfrm>
-            <a:off x="636270" y="1676400"/>
-            <a:ext cx="1351226" cy="923330"/>
-          </a:xfrm>
-          <a:prstGeom prst="rect">
-            <a:avLst/>
-          </a:prstGeom>
-          <a:noFill/>
-          <a:ln w="9525">
-            <a:noFill/>
-            <a:miter lim="800000"/>
-          </a:ln>
-        </p:spPr>
-        <p:txBody>
-          <a:bodyPr wrap="square">
-            <a:spAutoFit/>
-          </a:bodyPr>
-          <a:lstStyle/>
-          <a:p>
-            <a:pPr algn="ctr"/>
-            <a:r>
-              <a:rPr lang="en-US" sz="5400" b="1" dirty="0">
-                <a:solidFill>
-                  <a:srgbClr val="002060"/>
-                </a:solidFill>
-              </a:rPr>
-              <a:t>3</a:t>
-            </a:r>
-            <a:r>
-              <a:rPr lang="en-US" sz="5400" b="1" dirty="0" smtClean="0">
-                <a:solidFill>
-                  <a:srgbClr val="002060"/>
-                </a:solidFill>
-              </a:rPr>
-              <a:t>.</a:t>
-            </a:r>
-            <a:endParaRPr lang="en-US" sz="5400" b="1" dirty="0">
-              <a:solidFill>
-                <a:srgbClr val="002060"/>
-              </a:solidFill>
-            </a:endParaRPr>
+              <a:t>救主大能堪足依賴</a:t>
+            </a:r>
           </a:p>
         </p:txBody>
       </p:sp>
     </p:spTree>
     <p:extLst>
       <p:ext uri="{BB962C8B-B14F-4D97-AF65-F5344CB8AC3E}">
-        <p14:creationId xmlns:p14="http://schemas.microsoft.com/office/powerpoint/2010/main" val="3980140298"/>
+        <p14:creationId xmlns:p14="http://schemas.microsoft.com/office/powerpoint/2010/main" val="4052933421"/>
       </p:ext>
     </p:extLst>
   </p:cSld>
   <p:clrMapOvr>
     <a:masterClrMapping/>
   </p:clrMapOvr>
+  <p:timing>
+    <p:tnLst>
+      <p:par>
+        <p:cTn id="1" dur="indefinite" restart="never" nodeType="tmRoot"/>
+      </p:par>
+    </p:tnLst>
+  </p:timing>
 </p:sld>
 </file>
 
@@ -5069,147 +4864,449 @@
       </p:grpSpPr>
       <p:sp>
         <p:nvSpPr>
-          <p:cNvPr id="4" name="Title 3"/>
-          <p:cNvSpPr>
-            <a:spLocks noGrp="1"/>
-          </p:cNvSpPr>
-          <p:nvPr>
-            <p:ph type="title"/>
-          </p:nvPr>
-        </p:nvSpPr>
-        <p:spPr/>
-        <p:txBody>
-          <a:bodyPr>
+          <p:cNvPr id="5" name="內容版面配置區 4"/>
+          <p:cNvSpPr>
+            <a:spLocks noGrp="1"/>
+          </p:cNvSpPr>
+          <p:nvPr>
+            <p:ph idx="1"/>
+          </p:nvPr>
+        </p:nvSpPr>
+        <p:spPr>
+          <a:xfrm>
+            <a:off x="0" y="2084851"/>
+            <a:ext cx="12192000" cy="2404863"/>
+          </a:xfrm>
+        </p:spPr>
+        <p:txBody>
+          <a:bodyPr anchor="ctr">
             <a:normAutofit/>
           </a:bodyPr>
           <a:lstStyle/>
           <a:p>
-            <a:r>
-              <a:rPr lang="en-US" altLang="zh-CN" sz="4800" b="1" dirty="0">
+            <a:pPr marL="0" indent="0" algn="ctr">
+              <a:buNone/>
+            </a:pPr>
+            <a:r>
+              <a:rPr lang="zh-TW" altLang="en-US" sz="6400" b="1" dirty="0">
                 <a:solidFill>
-                  <a:srgbClr val="002060"/>
+                  <a:srgbClr val="660033"/>
                 </a:solidFill>
-                <a:latin typeface="Microsoft JhengHei" panose="020B0604030504040204" pitchFamily="34" charset="-120"/>
-                <a:ea typeface="Microsoft JhengHei" panose="020B0604030504040204" pitchFamily="34" charset="-120"/>
+                <a:latin typeface="Microsoft JhengHei" pitchFamily="34" charset="-120"/>
+                <a:ea typeface="Microsoft JhengHei" pitchFamily="34" charset="-120"/>
               </a:rPr>
-              <a:t>【</a:t>
-            </a:r>
-            <a:r>
-              <a:rPr lang="zh-CN" altLang="en-US" sz="4800" b="1" dirty="0">
+              <a:t>安穩隱藏在主大能翅膀下</a:t>
+            </a:r>
+          </a:p>
+          <a:p>
+            <a:pPr marL="0" indent="0" algn="ctr">
+              <a:buNone/>
+            </a:pPr>
+            <a:r>
+              <a:rPr lang="zh-TW" altLang="en-US" sz="6400" b="1" dirty="0">
                 <a:solidFill>
-                  <a:srgbClr val="002060"/>
+                  <a:srgbClr val="660033"/>
                 </a:solidFill>
-                <a:latin typeface="Microsoft JhengHei" panose="020B0604030504040204" pitchFamily="34" charset="-120"/>
-                <a:ea typeface="Microsoft JhengHei" panose="020B0604030504040204" pitchFamily="34" charset="-120"/>
+                <a:latin typeface="Microsoft JhengHei" pitchFamily="34" charset="-120"/>
+                <a:ea typeface="Microsoft JhengHei" pitchFamily="34" charset="-120"/>
               </a:rPr>
-              <a:t>在他翼下</a:t>
-            </a:r>
-            <a:r>
-              <a:rPr lang="en-US" altLang="zh-CN" sz="4800" b="1" dirty="0">
+              <a:t>何</a:t>
+            </a:r>
+            <a:r>
+              <a:rPr lang="zh-CN" altLang="en-US" sz="6400" b="1" dirty="0">
                 <a:solidFill>
-                  <a:srgbClr val="002060"/>
+                  <a:srgbClr val="660033"/>
                 </a:solidFill>
-                <a:latin typeface="Microsoft JhengHei" panose="020B0604030504040204" pitchFamily="34" charset="-120"/>
-                <a:ea typeface="Microsoft JhengHei" panose="020B0604030504040204" pitchFamily="34" charset="-120"/>
+                <a:latin typeface="Microsoft JhengHei" pitchFamily="34" charset="-120"/>
+                <a:ea typeface="Microsoft JhengHei" pitchFamily="34" charset="-120"/>
               </a:rPr>
-              <a:t>】</a:t>
-            </a:r>
-          </a:p>
-        </p:txBody>
-      </p:sp>
-      <p:sp>
-        <p:nvSpPr>
-          <p:cNvPr id="5" name="Content Placeholder 4"/>
-          <p:cNvSpPr>
-            <a:spLocks noGrp="1"/>
-          </p:cNvSpPr>
-          <p:nvPr>
-            <p:ph idx="1"/>
-          </p:nvPr>
+              <a:t>等溫</a:t>
+            </a:r>
+            <a:r>
+              <a:rPr lang="zh-TW" altLang="en-US" sz="6400" b="1" dirty="0">
+                <a:solidFill>
+                  <a:srgbClr val="660033"/>
+                </a:solidFill>
+                <a:latin typeface="Microsoft JhengHei" pitchFamily="34" charset="-120"/>
+                <a:ea typeface="Microsoft JhengHei" pitchFamily="34" charset="-120"/>
+              </a:rPr>
+              <a:t>暖何等柔和週密</a:t>
+            </a:r>
+            <a:endParaRPr lang="en-US" altLang="zh-TW" sz="6400" b="1" dirty="0">
+              <a:solidFill>
+                <a:srgbClr val="660033"/>
+              </a:solidFill>
+              <a:latin typeface="Microsoft JhengHei" pitchFamily="34" charset="-120"/>
+              <a:ea typeface="Microsoft JhengHei" pitchFamily="34" charset="-120"/>
+            </a:endParaRPr>
+          </a:p>
+        </p:txBody>
+      </p:sp>
+      <p:sp>
+        <p:nvSpPr>
+          <p:cNvPr id="3" name="TextBox 2"/>
+          <p:cNvSpPr txBox="1"/>
+          <p:nvPr/>
         </p:nvSpPr>
         <p:spPr>
           <a:xfrm>
-            <a:off x="609600" y="1600203"/>
-            <a:ext cx="10972800" cy="5257797"/>
+            <a:off x="0" y="5061182"/>
+            <a:ext cx="12192000" cy="830997"/>
           </a:xfrm>
+          <a:prstGeom prst="rect">
+            <a:avLst/>
+          </a:prstGeom>
+          <a:noFill/>
         </p:spPr>
         <p:txBody>
-          <a:bodyPr>
-            <a:normAutofit/>
+          <a:bodyPr wrap="square" rtlCol="0">
+            <a:spAutoFit/>
           </a:bodyPr>
           <a:lstStyle/>
           <a:p>
-            <a:pPr marL="0" indent="0" algn="ctr">
-              <a:buNone/>
-            </a:pPr>
-            <a:r>
-              <a:rPr lang="zh-TW" altLang="en-US" sz="5400" b="1" dirty="0">
+            <a:pPr algn="ctr"/>
+            <a:r>
+              <a:rPr lang="en-US" sz="4800" b="1" dirty="0">
                 <a:solidFill>
-                  <a:srgbClr val="002060"/>
+                  <a:srgbClr val="660033"/>
                 </a:solidFill>
-                <a:latin typeface="Microsoft JhengHei" panose="020B0604030504040204" pitchFamily="34" charset="-120"/>
-                <a:ea typeface="Microsoft JhengHei" panose="020B0604030504040204" pitchFamily="34" charset="-120"/>
               </a:rPr>
-              <a:t>安穩隱藏主翅膀下</a:t>
-            </a:r>
-          </a:p>
-          <a:p>
-            <a:pPr marL="0" indent="0" algn="ctr">
-              <a:buNone/>
-            </a:pPr>
-            <a:r>
-              <a:rPr lang="zh-TW" altLang="en-US" sz="5400" b="1" dirty="0">
-                <a:solidFill>
-                  <a:srgbClr val="002060"/>
-                </a:solidFill>
-                <a:latin typeface="Microsoft JhengHei" panose="020B0604030504040204" pitchFamily="34" charset="-120"/>
-                <a:ea typeface="Microsoft JhengHei" panose="020B0604030504040204" pitchFamily="34" charset="-120"/>
-              </a:rPr>
-              <a:t>誰能使我離主愛</a:t>
-            </a:r>
-          </a:p>
-          <a:p>
-            <a:pPr marL="0" indent="0" algn="ctr">
-              <a:buNone/>
-            </a:pPr>
-            <a:r>
-              <a:rPr lang="zh-TW" altLang="en-US" sz="5400" b="1" dirty="0">
-                <a:solidFill>
-                  <a:srgbClr val="002060"/>
-                </a:solidFill>
-                <a:latin typeface="Microsoft JhengHei" panose="020B0604030504040204" pitchFamily="34" charset="-120"/>
-                <a:ea typeface="Microsoft JhengHei" panose="020B0604030504040204" pitchFamily="34" charset="-120"/>
-              </a:rPr>
-              <a:t>主翅膀下要永居無怕</a:t>
-            </a:r>
-          </a:p>
-          <a:p>
-            <a:pPr marL="0" indent="0" algn="ctr">
-              <a:buNone/>
-            </a:pPr>
-            <a:r>
-              <a:rPr lang="zh-TW" altLang="en-US" sz="5400" b="1" dirty="0">
-                <a:solidFill>
-                  <a:srgbClr val="002060"/>
-                </a:solidFill>
-                <a:latin typeface="Microsoft JhengHei" panose="020B0604030504040204" pitchFamily="34" charset="-120"/>
-                <a:ea typeface="Microsoft JhengHei" panose="020B0604030504040204" pitchFamily="34" charset="-120"/>
-              </a:rPr>
-              <a:t>救主大能堪足依賴</a:t>
-            </a:r>
+              <a:t>( 2 / 3 )</a:t>
+            </a:r>
+            <a:endParaRPr lang="vi-VN" sz="4800" b="1" dirty="0">
+              <a:solidFill>
+                <a:srgbClr val="660033"/>
+              </a:solidFill>
+            </a:endParaRPr>
           </a:p>
         </p:txBody>
       </p:sp>
     </p:spTree>
     <p:extLst>
       <p:ext uri="{BB962C8B-B14F-4D97-AF65-F5344CB8AC3E}">
-        <p14:creationId xmlns:p14="http://schemas.microsoft.com/office/powerpoint/2010/main" val="1086903752"/>
+        <p14:creationId xmlns:p14="http://schemas.microsoft.com/office/powerpoint/2010/main" val="3177474050"/>
       </p:ext>
     </p:extLst>
   </p:cSld>
   <p:clrMapOvr>
     <a:masterClrMapping/>
   </p:clrMapOvr>
+  <p:timing>
+    <p:tnLst>
+      <p:par>
+        <p:cTn id="1" dur="indefinite" restart="never" nodeType="tmRoot"/>
+      </p:par>
+    </p:tnLst>
+  </p:timing>
+</p:sld>
+</file>
+
+<file path=ppt/slides/slide7.xml><?xml version="1.0" encoding="utf-8"?>
+<p:sld xmlns:a="http://schemas.openxmlformats.org/drawingml/2006/main" xmlns:r="http://schemas.openxmlformats.org/officeDocument/2006/relationships" xmlns:p="http://schemas.openxmlformats.org/presentationml/2006/main">
+  <p:cSld>
+    <p:spTree>
+      <p:nvGrpSpPr>
+        <p:cNvPr id="1" name=""/>
+        <p:cNvGrpSpPr/>
+        <p:nvPr/>
+      </p:nvGrpSpPr>
+      <p:grpSpPr>
+        <a:xfrm>
+          <a:off x="0" y="0"/>
+          <a:ext cx="0" cy="0"/>
+          <a:chOff x="0" y="0"/>
+          <a:chExt cx="0" cy="0"/>
+        </a:xfrm>
+      </p:grpSpPr>
+      <p:sp>
+        <p:nvSpPr>
+          <p:cNvPr id="5" name="內容版面配置區 4"/>
+          <p:cNvSpPr>
+            <a:spLocks noGrp="1"/>
+          </p:cNvSpPr>
+          <p:nvPr>
+            <p:ph idx="1"/>
+          </p:nvPr>
+        </p:nvSpPr>
+        <p:spPr>
+          <a:xfrm>
+            <a:off x="0" y="2084851"/>
+            <a:ext cx="12192000" cy="2404863"/>
+          </a:xfrm>
+        </p:spPr>
+        <p:txBody>
+          <a:bodyPr anchor="ctr">
+            <a:normAutofit/>
+          </a:bodyPr>
+          <a:lstStyle/>
+          <a:p>
+            <a:pPr marL="0" indent="0" algn="ctr">
+              <a:buNone/>
+            </a:pPr>
+            <a:r>
+              <a:rPr lang="zh-TW" altLang="en-US" sz="6400" b="1" dirty="0">
+                <a:solidFill>
+                  <a:srgbClr val="660033"/>
+                </a:solidFill>
+                <a:latin typeface="Microsoft JhengHei" pitchFamily="34" charset="-120"/>
+                <a:ea typeface="Microsoft JhengHei" pitchFamily="34" charset="-120"/>
+              </a:rPr>
+              <a:t>當我遇攻擊無處可獲幫助</a:t>
+            </a:r>
+          </a:p>
+          <a:p>
+            <a:pPr marL="0" indent="0" algn="ctr">
+              <a:buNone/>
+            </a:pPr>
+            <a:r>
+              <a:rPr lang="zh-TW" altLang="en-US" sz="6400" b="1" dirty="0">
+                <a:solidFill>
+                  <a:srgbClr val="660033"/>
+                </a:solidFill>
+                <a:latin typeface="Microsoft JhengHei" pitchFamily="34" charset="-120"/>
+                <a:ea typeface="Microsoft JhengHei" pitchFamily="34" charset="-120"/>
+              </a:rPr>
+              <a:t>在主蔭庇下真百無一失</a:t>
+            </a:r>
+          </a:p>
+        </p:txBody>
+      </p:sp>
+      <p:sp>
+        <p:nvSpPr>
+          <p:cNvPr id="3" name="TextBox 2"/>
+          <p:cNvSpPr txBox="1"/>
+          <p:nvPr/>
+        </p:nvSpPr>
+        <p:spPr>
+          <a:xfrm>
+            <a:off x="0" y="5061182"/>
+            <a:ext cx="12192000" cy="830997"/>
+          </a:xfrm>
+          <a:prstGeom prst="rect">
+            <a:avLst/>
+          </a:prstGeom>
+          <a:noFill/>
+        </p:spPr>
+        <p:txBody>
+          <a:bodyPr wrap="square" rtlCol="0">
+            <a:spAutoFit/>
+          </a:bodyPr>
+          <a:lstStyle/>
+          <a:p>
+            <a:pPr algn="ctr"/>
+            <a:r>
+              <a:rPr lang="en-US" sz="4800" b="1" dirty="0">
+                <a:solidFill>
+                  <a:srgbClr val="660033"/>
+                </a:solidFill>
+              </a:rPr>
+              <a:t>( 2 / 3 )</a:t>
+            </a:r>
+            <a:endParaRPr lang="vi-VN" sz="4800" b="1" dirty="0">
+              <a:solidFill>
+                <a:srgbClr val="660033"/>
+              </a:solidFill>
+            </a:endParaRPr>
+          </a:p>
+        </p:txBody>
+      </p:sp>
+    </p:spTree>
+    <p:extLst>
+      <p:ext uri="{BB962C8B-B14F-4D97-AF65-F5344CB8AC3E}">
+        <p14:creationId xmlns:p14="http://schemas.microsoft.com/office/powerpoint/2010/main" val="212181724"/>
+      </p:ext>
+    </p:extLst>
+  </p:cSld>
+  <p:clrMapOvr>
+    <a:masterClrMapping/>
+  </p:clrMapOvr>
+  <p:timing>
+    <p:tnLst>
+      <p:par>
+        <p:cTn id="1" dur="indefinite" restart="never" nodeType="tmRoot"/>
+      </p:par>
+    </p:tnLst>
+  </p:timing>
+</p:sld>
+</file>
+
+<file path=ppt/slides/slide8.xml><?xml version="1.0" encoding="utf-8"?>
+<p:sld xmlns:a="http://schemas.openxmlformats.org/drawingml/2006/main" xmlns:r="http://schemas.openxmlformats.org/officeDocument/2006/relationships" xmlns:p="http://schemas.openxmlformats.org/presentationml/2006/main">
+  <p:cSld>
+    <p:spTree>
+      <p:nvGrpSpPr>
+        <p:cNvPr id="1" name=""/>
+        <p:cNvGrpSpPr/>
+        <p:nvPr/>
+      </p:nvGrpSpPr>
+      <p:grpSpPr>
+        <a:xfrm>
+          <a:off x="0" y="0"/>
+          <a:ext cx="0" cy="0"/>
+          <a:chOff x="0" y="0"/>
+          <a:chExt cx="0" cy="0"/>
+        </a:xfrm>
+      </p:grpSpPr>
+      <p:sp>
+        <p:nvSpPr>
+          <p:cNvPr id="5" name="內容版面配置區 4"/>
+          <p:cNvSpPr>
+            <a:spLocks noGrp="1"/>
+          </p:cNvSpPr>
+          <p:nvPr>
+            <p:ph idx="1"/>
+          </p:nvPr>
+        </p:nvSpPr>
+        <p:spPr>
+          <a:xfrm>
+            <a:off x="0" y="2084851"/>
+            <a:ext cx="12192000" cy="2404863"/>
+          </a:xfrm>
+        </p:spPr>
+        <p:txBody>
+          <a:bodyPr anchor="ctr">
+            <a:normAutofit/>
+          </a:bodyPr>
+          <a:lstStyle/>
+          <a:p>
+            <a:pPr marL="0" indent="0" algn="ctr">
+              <a:buNone/>
+            </a:pPr>
+            <a:r>
+              <a:rPr lang="zh-TW" altLang="en-US" sz="6400" b="1" dirty="0">
+                <a:solidFill>
+                  <a:srgbClr val="660033"/>
+                </a:solidFill>
+                <a:latin typeface="Microsoft JhengHei" pitchFamily="34" charset="-120"/>
+                <a:ea typeface="Microsoft JhengHei" pitchFamily="34" charset="-120"/>
+              </a:rPr>
+              <a:t>安穩隱藏主翅膀下</a:t>
+            </a:r>
+          </a:p>
+          <a:p>
+            <a:pPr marL="0" indent="0" algn="ctr">
+              <a:buNone/>
+            </a:pPr>
+            <a:r>
+              <a:rPr lang="zh-TW" altLang="en-US" sz="6400" b="1" dirty="0">
+                <a:solidFill>
+                  <a:srgbClr val="660033"/>
+                </a:solidFill>
+                <a:latin typeface="Microsoft JhengHei" pitchFamily="34" charset="-120"/>
+                <a:ea typeface="Microsoft JhengHei" pitchFamily="34" charset="-120"/>
+              </a:rPr>
+              <a:t>誰能使我離主愛</a:t>
+            </a:r>
+          </a:p>
+        </p:txBody>
+      </p:sp>
+    </p:spTree>
+    <p:extLst>
+      <p:ext uri="{BB962C8B-B14F-4D97-AF65-F5344CB8AC3E}">
+        <p14:creationId xmlns:p14="http://schemas.microsoft.com/office/powerpoint/2010/main" val="900633582"/>
+      </p:ext>
+    </p:extLst>
+  </p:cSld>
+  <p:clrMapOvr>
+    <a:masterClrMapping/>
+  </p:clrMapOvr>
+  <p:timing>
+    <p:tnLst>
+      <p:par>
+        <p:cTn id="1" dur="indefinite" restart="never" nodeType="tmRoot"/>
+      </p:par>
+    </p:tnLst>
+  </p:timing>
+</p:sld>
+</file>
+
+<file path=ppt/slides/slide9.xml><?xml version="1.0" encoding="utf-8"?>
+<p:sld xmlns:a="http://schemas.openxmlformats.org/drawingml/2006/main" xmlns:r="http://schemas.openxmlformats.org/officeDocument/2006/relationships" xmlns:p="http://schemas.openxmlformats.org/presentationml/2006/main">
+  <p:cSld>
+    <p:spTree>
+      <p:nvGrpSpPr>
+        <p:cNvPr id="1" name=""/>
+        <p:cNvGrpSpPr/>
+        <p:nvPr/>
+      </p:nvGrpSpPr>
+      <p:grpSpPr>
+        <a:xfrm>
+          <a:off x="0" y="0"/>
+          <a:ext cx="0" cy="0"/>
+          <a:chOff x="0" y="0"/>
+          <a:chExt cx="0" cy="0"/>
+        </a:xfrm>
+      </p:grpSpPr>
+      <p:sp>
+        <p:nvSpPr>
+          <p:cNvPr id="5" name="內容版面配置區 4"/>
+          <p:cNvSpPr>
+            <a:spLocks noGrp="1"/>
+          </p:cNvSpPr>
+          <p:nvPr>
+            <p:ph idx="1"/>
+          </p:nvPr>
+        </p:nvSpPr>
+        <p:spPr>
+          <a:xfrm>
+            <a:off x="0" y="2084851"/>
+            <a:ext cx="12192000" cy="2404863"/>
+          </a:xfrm>
+        </p:spPr>
+        <p:txBody>
+          <a:bodyPr anchor="ctr">
+            <a:normAutofit/>
+          </a:bodyPr>
+          <a:lstStyle/>
+          <a:p>
+            <a:pPr marL="0" indent="0" algn="ctr">
+              <a:buNone/>
+            </a:pPr>
+            <a:r>
+              <a:rPr lang="zh-TW" altLang="en-US" sz="6400" b="1" dirty="0">
+                <a:solidFill>
+                  <a:srgbClr val="660033"/>
+                </a:solidFill>
+                <a:latin typeface="Microsoft JhengHei" pitchFamily="34" charset="-120"/>
+                <a:ea typeface="Microsoft JhengHei" pitchFamily="34" charset="-120"/>
+              </a:rPr>
+              <a:t>主翅膀下要永居無怕</a:t>
+            </a:r>
+          </a:p>
+          <a:p>
+            <a:pPr marL="0" indent="0" algn="ctr">
+              <a:buNone/>
+            </a:pPr>
+            <a:r>
+              <a:rPr lang="zh-TW" altLang="en-US" sz="6400" b="1" dirty="0">
+                <a:solidFill>
+                  <a:srgbClr val="660033"/>
+                </a:solidFill>
+                <a:latin typeface="Microsoft JhengHei" pitchFamily="34" charset="-120"/>
+                <a:ea typeface="Microsoft JhengHei" pitchFamily="34" charset="-120"/>
+              </a:rPr>
+              <a:t>救主大能堪足依賴</a:t>
+            </a:r>
+          </a:p>
+        </p:txBody>
+      </p:sp>
+    </p:spTree>
+    <p:extLst>
+      <p:ext uri="{BB962C8B-B14F-4D97-AF65-F5344CB8AC3E}">
+        <p14:creationId xmlns:p14="http://schemas.microsoft.com/office/powerpoint/2010/main" val="2454244594"/>
+      </p:ext>
+    </p:extLst>
+  </p:cSld>
+  <p:clrMapOvr>
+    <a:masterClrMapping/>
+  </p:clrMapOvr>
+  <p:timing>
+    <p:tnLst>
+      <p:par>
+        <p:cTn id="1" dur="indefinite" restart="never" nodeType="tmRoot"/>
+      </p:par>
+    </p:tnLst>
+  </p:timing>
 </p:sld>
 </file>
 
